--- a/doc/task01/praesi.pptx
+++ b/doc/task01/praesi.pptx
@@ -3,13 +3,14 @@
 <p:presentation xmlns:a="http://schemas.openxmlformats.org/drawingml/2006/main" xmlns:p="http://schemas.openxmlformats.org/presentationml/2006/main" xmlns:r="http://schemas.openxmlformats.org/officeDocument/2006/relationships">
   <p:sldMasterIdLst>
     <p:sldMasterId id="2147483648" r:id="rId2"/>
+    <p:sldMasterId id="2147483661" r:id="rId3"/>
   </p:sldMasterIdLst>
   <p:sldIdLst>
-    <p:sldId id="256" r:id="rId3"/>
-    <p:sldId id="257" r:id="rId4"/>
-    <p:sldId id="258" r:id="rId5"/>
-    <p:sldId id="259" r:id="rId6"/>
-    <p:sldId id="260" r:id="rId7"/>
+    <p:sldId id="256" r:id="rId4"/>
+    <p:sldId id="257" r:id="rId5"/>
+    <p:sldId id="258" r:id="rId6"/>
+    <p:sldId id="259" r:id="rId7"/>
+    <p:sldId id="260" r:id="rId8"/>
   </p:sldIdLst>
   <p:sldSz cx="10080625" cy="7559675"/>
   <p:notesSz cx="7559675" cy="10691812"/>
@@ -57,7 +58,7 @@
       </p:grpSpPr>
       <p:sp>
         <p:nvSpPr>
-          <p:cNvPr id="26" name="PlaceHolder 1"/>
+          <p:cNvPr id="23" name="PlaceHolder 1"/>
           <p:cNvSpPr>
             <a:spLocks noGrp="1"/>
           </p:cNvSpPr>
@@ -68,7 +69,7 @@
         <p:spPr>
           <a:xfrm>
             <a:off x="504000" y="301320"/>
-            <a:ext cx="9071640" cy="1262520"/>
+            <a:ext cx="9071280" cy="1262520"/>
           </a:xfrm>
           <a:prstGeom prst="rect">
             <a:avLst/>
@@ -84,44 +85,44 @@
       </p:sp>
       <p:sp>
         <p:nvSpPr>
-          <p:cNvPr id="27" name="PlaceHolder 2"/>
-          <p:cNvSpPr>
-            <a:spLocks noGrp="1"/>
-          </p:cNvSpPr>
-          <p:nvPr>
-            <p:ph type="body"/>
-          </p:nvPr>
-        </p:nvSpPr>
-        <p:spPr>
-          <a:xfrm>
-            <a:off x="504000" y="1769040"/>
-            <a:ext cx="9071640" cy="2379600"/>
-          </a:xfrm>
-          <a:prstGeom prst="rect">
-            <a:avLst/>
-          </a:prstGeom>
-        </p:spPr>
-        <p:txBody>
-          <a:bodyPr bIns="0" lIns="0" rIns="0" tIns="0" wrap="none"/>
-          <a:p>
-            <a:endParaRPr/>
-          </a:p>
-        </p:txBody>
-      </p:sp>
-      <p:sp>
-        <p:nvSpPr>
-          <p:cNvPr id="28" name="PlaceHolder 3"/>
-          <p:cNvSpPr>
-            <a:spLocks noGrp="1"/>
-          </p:cNvSpPr>
-          <p:nvPr>
-            <p:ph type="body"/>
-          </p:nvPr>
-        </p:nvSpPr>
-        <p:spPr>
-          <a:xfrm>
-            <a:off x="504000" y="4375080"/>
-            <a:ext cx="9071640" cy="2379600"/>
+          <p:cNvPr id="24" name="PlaceHolder 2"/>
+          <p:cNvSpPr>
+            <a:spLocks noGrp="1"/>
+          </p:cNvSpPr>
+          <p:nvPr>
+            <p:ph type="body"/>
+          </p:nvPr>
+        </p:nvSpPr>
+        <p:spPr>
+          <a:xfrm>
+            <a:off x="504000" y="1768680"/>
+            <a:ext cx="9072000" cy="2379240"/>
+          </a:xfrm>
+          <a:prstGeom prst="rect">
+            <a:avLst/>
+          </a:prstGeom>
+        </p:spPr>
+        <p:txBody>
+          <a:bodyPr bIns="0" lIns="0" rIns="0" tIns="0" wrap="none"/>
+          <a:p>
+            <a:endParaRPr/>
+          </a:p>
+        </p:txBody>
+      </p:sp>
+      <p:sp>
+        <p:nvSpPr>
+          <p:cNvPr id="25" name="PlaceHolder 3"/>
+          <p:cNvSpPr>
+            <a:spLocks noGrp="1"/>
+          </p:cNvSpPr>
+          <p:nvPr>
+            <p:ph type="body"/>
+          </p:nvPr>
+        </p:nvSpPr>
+        <p:spPr>
+          <a:xfrm>
+            <a:off x="504000" y="4374000"/>
+            <a:ext cx="9072000" cy="2379240"/>
           </a:xfrm>
           <a:prstGeom prst="rect">
             <a:avLst/>
@@ -158,7 +159,7 @@
       </p:grpSpPr>
       <p:sp>
         <p:nvSpPr>
-          <p:cNvPr id="29" name="PlaceHolder 1"/>
+          <p:cNvPr id="26" name="PlaceHolder 1"/>
           <p:cNvSpPr>
             <a:spLocks noGrp="1"/>
           </p:cNvSpPr>
@@ -169,7 +170,7 @@
         <p:spPr>
           <a:xfrm>
             <a:off x="504000" y="301320"/>
-            <a:ext cx="9071640" cy="1262520"/>
+            <a:ext cx="9071280" cy="1262520"/>
           </a:xfrm>
           <a:prstGeom prst="rect">
             <a:avLst/>
@@ -185,96 +186,96 @@
       </p:sp>
       <p:sp>
         <p:nvSpPr>
-          <p:cNvPr id="30" name="PlaceHolder 2"/>
-          <p:cNvSpPr>
-            <a:spLocks noGrp="1"/>
-          </p:cNvSpPr>
-          <p:nvPr>
-            <p:ph type="body"/>
-          </p:nvPr>
-        </p:nvSpPr>
-        <p:spPr>
-          <a:xfrm>
-            <a:off x="504000" y="1769040"/>
-            <a:ext cx="4426560" cy="2379600"/>
-          </a:xfrm>
-          <a:prstGeom prst="rect">
-            <a:avLst/>
-          </a:prstGeom>
-        </p:spPr>
-        <p:txBody>
-          <a:bodyPr bIns="0" lIns="0" rIns="0" tIns="0" wrap="none"/>
-          <a:p>
-            <a:endParaRPr/>
-          </a:p>
-        </p:txBody>
-      </p:sp>
-      <p:sp>
-        <p:nvSpPr>
-          <p:cNvPr id="31" name="PlaceHolder 3"/>
-          <p:cNvSpPr>
-            <a:spLocks noGrp="1"/>
-          </p:cNvSpPr>
-          <p:nvPr>
-            <p:ph type="body"/>
-          </p:nvPr>
-        </p:nvSpPr>
-        <p:spPr>
-          <a:xfrm>
-            <a:off x="5151960" y="1769040"/>
-            <a:ext cx="4426560" cy="2379600"/>
-          </a:xfrm>
-          <a:prstGeom prst="rect">
-            <a:avLst/>
-          </a:prstGeom>
-        </p:spPr>
-        <p:txBody>
-          <a:bodyPr bIns="0" lIns="0" rIns="0" tIns="0" wrap="none"/>
-          <a:p>
-            <a:endParaRPr/>
-          </a:p>
-        </p:txBody>
-      </p:sp>
-      <p:sp>
-        <p:nvSpPr>
-          <p:cNvPr id="32" name="PlaceHolder 4"/>
-          <p:cNvSpPr>
-            <a:spLocks noGrp="1"/>
-          </p:cNvSpPr>
-          <p:nvPr>
-            <p:ph type="body"/>
-          </p:nvPr>
-        </p:nvSpPr>
-        <p:spPr>
-          <a:xfrm>
-            <a:off x="5151960" y="4375080"/>
-            <a:ext cx="4426560" cy="2379600"/>
-          </a:xfrm>
-          <a:prstGeom prst="rect">
-            <a:avLst/>
-          </a:prstGeom>
-        </p:spPr>
-        <p:txBody>
-          <a:bodyPr bIns="0" lIns="0" rIns="0" tIns="0" wrap="none"/>
-          <a:p>
-            <a:endParaRPr/>
-          </a:p>
-        </p:txBody>
-      </p:sp>
-      <p:sp>
-        <p:nvSpPr>
-          <p:cNvPr id="33" name="PlaceHolder 5"/>
-          <p:cNvSpPr>
-            <a:spLocks noGrp="1"/>
-          </p:cNvSpPr>
-          <p:nvPr>
-            <p:ph type="body"/>
-          </p:nvPr>
-        </p:nvSpPr>
-        <p:spPr>
-          <a:xfrm>
-            <a:off x="504000" y="4375080"/>
-            <a:ext cx="4426560" cy="2379600"/>
+          <p:cNvPr id="27" name="PlaceHolder 2"/>
+          <p:cNvSpPr>
+            <a:spLocks noGrp="1"/>
+          </p:cNvSpPr>
+          <p:nvPr>
+            <p:ph type="body"/>
+          </p:nvPr>
+        </p:nvSpPr>
+        <p:spPr>
+          <a:xfrm>
+            <a:off x="504000" y="1768680"/>
+            <a:ext cx="4426920" cy="2379240"/>
+          </a:xfrm>
+          <a:prstGeom prst="rect">
+            <a:avLst/>
+          </a:prstGeom>
+        </p:spPr>
+        <p:txBody>
+          <a:bodyPr bIns="0" lIns="0" rIns="0" tIns="0" wrap="none"/>
+          <a:p>
+            <a:endParaRPr/>
+          </a:p>
+        </p:txBody>
+      </p:sp>
+      <p:sp>
+        <p:nvSpPr>
+          <p:cNvPr id="28" name="PlaceHolder 3"/>
+          <p:cNvSpPr>
+            <a:spLocks noGrp="1"/>
+          </p:cNvSpPr>
+          <p:nvPr>
+            <p:ph type="body"/>
+          </p:nvPr>
+        </p:nvSpPr>
+        <p:spPr>
+          <a:xfrm>
+            <a:off x="5152320" y="1768680"/>
+            <a:ext cx="4426920" cy="2379240"/>
+          </a:xfrm>
+          <a:prstGeom prst="rect">
+            <a:avLst/>
+          </a:prstGeom>
+        </p:spPr>
+        <p:txBody>
+          <a:bodyPr bIns="0" lIns="0" rIns="0" tIns="0" wrap="none"/>
+          <a:p>
+            <a:endParaRPr/>
+          </a:p>
+        </p:txBody>
+      </p:sp>
+      <p:sp>
+        <p:nvSpPr>
+          <p:cNvPr id="29" name="PlaceHolder 4"/>
+          <p:cNvSpPr>
+            <a:spLocks noGrp="1"/>
+          </p:cNvSpPr>
+          <p:nvPr>
+            <p:ph type="body"/>
+          </p:nvPr>
+        </p:nvSpPr>
+        <p:spPr>
+          <a:xfrm>
+            <a:off x="5152320" y="4374000"/>
+            <a:ext cx="4426920" cy="2379240"/>
+          </a:xfrm>
+          <a:prstGeom prst="rect">
+            <a:avLst/>
+          </a:prstGeom>
+        </p:spPr>
+        <p:txBody>
+          <a:bodyPr bIns="0" lIns="0" rIns="0" tIns="0" wrap="none"/>
+          <a:p>
+            <a:endParaRPr/>
+          </a:p>
+        </p:txBody>
+      </p:sp>
+      <p:sp>
+        <p:nvSpPr>
+          <p:cNvPr id="30" name="PlaceHolder 5"/>
+          <p:cNvSpPr>
+            <a:spLocks noGrp="1"/>
+          </p:cNvSpPr>
+          <p:nvPr>
+            <p:ph type="body"/>
+          </p:nvPr>
+        </p:nvSpPr>
+        <p:spPr>
+          <a:xfrm>
+            <a:off x="504000" y="4374000"/>
+            <a:ext cx="4426920" cy="2379240"/>
           </a:xfrm>
           <a:prstGeom prst="rect">
             <a:avLst/>
@@ -311,7 +312,7 @@
       </p:grpSpPr>
       <p:sp>
         <p:nvSpPr>
-          <p:cNvPr id="34" name="PlaceHolder 1"/>
+          <p:cNvPr id="31" name="PlaceHolder 1"/>
           <p:cNvSpPr>
             <a:spLocks noGrp="1"/>
           </p:cNvSpPr>
@@ -322,7 +323,7 @@
         <p:spPr>
           <a:xfrm>
             <a:off x="504000" y="301320"/>
-            <a:ext cx="9071640" cy="1262520"/>
+            <a:ext cx="9071280" cy="1262520"/>
           </a:xfrm>
           <a:prstGeom prst="rect">
             <a:avLst/>
@@ -338,44 +339,543 @@
       </p:sp>
       <p:sp>
         <p:nvSpPr>
-          <p:cNvPr id="35" name="PlaceHolder 2"/>
-          <p:cNvSpPr>
-            <a:spLocks noGrp="1"/>
-          </p:cNvSpPr>
-          <p:nvPr>
-            <p:ph type="body"/>
-          </p:nvPr>
-        </p:nvSpPr>
-        <p:spPr>
-          <a:xfrm>
-            <a:off x="504000" y="1769040"/>
-            <a:ext cx="4426560" cy="2379600"/>
-          </a:xfrm>
-          <a:prstGeom prst="rect">
-            <a:avLst/>
-          </a:prstGeom>
-        </p:spPr>
-        <p:txBody>
-          <a:bodyPr bIns="0" lIns="0" rIns="0" tIns="0" wrap="none"/>
-          <a:p>
-            <a:endParaRPr/>
-          </a:p>
-        </p:txBody>
-      </p:sp>
-      <p:sp>
-        <p:nvSpPr>
-          <p:cNvPr id="36" name="PlaceHolder 3"/>
-          <p:cNvSpPr>
-            <a:spLocks noGrp="1"/>
-          </p:cNvSpPr>
-          <p:nvPr>
-            <p:ph type="body"/>
-          </p:nvPr>
-        </p:nvSpPr>
-        <p:spPr>
-          <a:xfrm>
-            <a:off x="5151960" y="1769040"/>
-            <a:ext cx="4426560" cy="2379600"/>
+          <p:cNvPr id="32" name="PlaceHolder 2"/>
+          <p:cNvSpPr>
+            <a:spLocks noGrp="1"/>
+          </p:cNvSpPr>
+          <p:nvPr>
+            <p:ph type="body"/>
+          </p:nvPr>
+        </p:nvSpPr>
+        <p:spPr>
+          <a:xfrm>
+            <a:off x="504000" y="1768680"/>
+            <a:ext cx="4426920" cy="2379240"/>
+          </a:xfrm>
+          <a:prstGeom prst="rect">
+            <a:avLst/>
+          </a:prstGeom>
+        </p:spPr>
+        <p:txBody>
+          <a:bodyPr bIns="0" lIns="0" rIns="0" tIns="0" wrap="none"/>
+          <a:p>
+            <a:endParaRPr/>
+          </a:p>
+        </p:txBody>
+      </p:sp>
+      <p:sp>
+        <p:nvSpPr>
+          <p:cNvPr id="33" name="PlaceHolder 3"/>
+          <p:cNvSpPr>
+            <a:spLocks noGrp="1"/>
+          </p:cNvSpPr>
+          <p:nvPr>
+            <p:ph type="body"/>
+          </p:nvPr>
+        </p:nvSpPr>
+        <p:spPr>
+          <a:xfrm>
+            <a:off x="5152320" y="1768680"/>
+            <a:ext cx="4426920" cy="2379240"/>
+          </a:xfrm>
+          <a:prstGeom prst="rect">
+            <a:avLst/>
+          </a:prstGeom>
+        </p:spPr>
+        <p:txBody>
+          <a:bodyPr bIns="0" lIns="0" rIns="0" tIns="0" wrap="none"/>
+          <a:p>
+            <a:endParaRPr/>
+          </a:p>
+        </p:txBody>
+      </p:sp>
+    </p:spTree>
+  </p:cSld>
+</p:sldLayout>
+</file>
+
+<file path=ppt/slideLayouts/slideLayout13.xml><?xml version="1.0" encoding="utf-8"?>
+<p:sldLayout xmlns:a="http://schemas.openxmlformats.org/drawingml/2006/main" xmlns:p="http://schemas.openxmlformats.org/presentationml/2006/main" xmlns:r="http://schemas.openxmlformats.org/officeDocument/2006/relationships" preserve="1" type="blank">
+  <p:cSld name="Blank Slide">
+    <p:spTree>
+      <p:nvGrpSpPr>
+        <p:cNvPr id="1" name=""/>
+        <p:cNvGrpSpPr/>
+        <p:nvPr/>
+      </p:nvGrpSpPr>
+      <p:grpSpPr>
+        <a:xfrm>
+          <a:off x="0" y="0"/>
+          <a:ext cx="0" cy="0"/>
+          <a:chOff x="0" y="0"/>
+          <a:chExt cx="0" cy="0"/>
+        </a:xfrm>
+      </p:grpSpPr>
+    </p:spTree>
+  </p:cSld>
+</p:sldLayout>
+</file>
+
+<file path=ppt/slideLayouts/slideLayout14.xml><?xml version="1.0" encoding="utf-8"?>
+<p:sldLayout xmlns:a="http://schemas.openxmlformats.org/drawingml/2006/main" xmlns:p="http://schemas.openxmlformats.org/presentationml/2006/main" xmlns:r="http://schemas.openxmlformats.org/officeDocument/2006/relationships" preserve="1" type="tx">
+  <p:cSld name="Title Slide">
+    <p:spTree>
+      <p:nvGrpSpPr>
+        <p:cNvPr id="1" name=""/>
+        <p:cNvGrpSpPr/>
+        <p:nvPr/>
+      </p:nvGrpSpPr>
+      <p:grpSpPr>
+        <a:xfrm>
+          <a:off x="0" y="0"/>
+          <a:ext cx="0" cy="0"/>
+          <a:chOff x="0" y="0"/>
+          <a:chExt cx="0" cy="0"/>
+        </a:xfrm>
+      </p:grpSpPr>
+      <p:sp>
+        <p:nvSpPr>
+          <p:cNvPr id="36" name="PlaceHolder 1"/>
+          <p:cNvSpPr>
+            <a:spLocks noGrp="1"/>
+          </p:cNvSpPr>
+          <p:nvPr>
+            <p:ph type="title"/>
+          </p:nvPr>
+        </p:nvSpPr>
+        <p:spPr>
+          <a:xfrm>
+            <a:off x="504000" y="301320"/>
+            <a:ext cx="9071280" cy="1262520"/>
+          </a:xfrm>
+          <a:prstGeom prst="rect">
+            <a:avLst/>
+          </a:prstGeom>
+        </p:spPr>
+        <p:txBody>
+          <a:bodyPr anchor="ctr" bIns="0" lIns="0" rIns="0" tIns="0" wrap="none"/>
+          <a:p>
+            <a:pPr algn="ctr"/>
+            <a:endParaRPr/>
+          </a:p>
+        </p:txBody>
+      </p:sp>
+      <p:sp>
+        <p:nvSpPr>
+          <p:cNvPr id="37" name="PlaceHolder 2"/>
+          <p:cNvSpPr>
+            <a:spLocks noGrp="1"/>
+          </p:cNvSpPr>
+          <p:nvPr>
+            <p:ph type="subTitle"/>
+          </p:nvPr>
+        </p:nvSpPr>
+        <p:spPr>
+          <a:xfrm>
+            <a:off x="504000" y="1768680"/>
+            <a:ext cx="9072000" cy="4989240"/>
+          </a:xfrm>
+          <a:prstGeom prst="rect">
+            <a:avLst/>
+          </a:prstGeom>
+        </p:spPr>
+        <p:txBody>
+          <a:bodyPr anchor="ctr" bIns="0" lIns="0" rIns="0" tIns="0" wrap="none"/>
+          <a:p>
+            <a:pPr algn="ctr"/>
+            <a:endParaRPr/>
+          </a:p>
+        </p:txBody>
+      </p:sp>
+    </p:spTree>
+  </p:cSld>
+</p:sldLayout>
+</file>
+
+<file path=ppt/slideLayouts/slideLayout15.xml><?xml version="1.0" encoding="utf-8"?>
+<p:sldLayout xmlns:a="http://schemas.openxmlformats.org/drawingml/2006/main" xmlns:p="http://schemas.openxmlformats.org/presentationml/2006/main" xmlns:r="http://schemas.openxmlformats.org/officeDocument/2006/relationships" preserve="1" type="obj">
+  <p:cSld name="Title, Content">
+    <p:spTree>
+      <p:nvGrpSpPr>
+        <p:cNvPr id="1" name=""/>
+        <p:cNvGrpSpPr/>
+        <p:nvPr/>
+      </p:nvGrpSpPr>
+      <p:grpSpPr>
+        <a:xfrm>
+          <a:off x="0" y="0"/>
+          <a:ext cx="0" cy="0"/>
+          <a:chOff x="0" y="0"/>
+          <a:chExt cx="0" cy="0"/>
+        </a:xfrm>
+      </p:grpSpPr>
+      <p:sp>
+        <p:nvSpPr>
+          <p:cNvPr id="38" name="PlaceHolder 1"/>
+          <p:cNvSpPr>
+            <a:spLocks noGrp="1"/>
+          </p:cNvSpPr>
+          <p:nvPr>
+            <p:ph type="title"/>
+          </p:nvPr>
+        </p:nvSpPr>
+        <p:spPr>
+          <a:xfrm>
+            <a:off x="504000" y="301320"/>
+            <a:ext cx="9071280" cy="1262520"/>
+          </a:xfrm>
+          <a:prstGeom prst="rect">
+            <a:avLst/>
+          </a:prstGeom>
+        </p:spPr>
+        <p:txBody>
+          <a:bodyPr anchor="ctr" bIns="0" lIns="0" rIns="0" tIns="0" wrap="none"/>
+          <a:p>
+            <a:pPr algn="ctr"/>
+            <a:endParaRPr/>
+          </a:p>
+        </p:txBody>
+      </p:sp>
+      <p:sp>
+        <p:nvSpPr>
+          <p:cNvPr id="39" name="PlaceHolder 2"/>
+          <p:cNvSpPr>
+            <a:spLocks noGrp="1"/>
+          </p:cNvSpPr>
+          <p:nvPr>
+            <p:ph type="body"/>
+          </p:nvPr>
+        </p:nvSpPr>
+        <p:spPr>
+          <a:xfrm>
+            <a:off x="504000" y="1768680"/>
+            <a:ext cx="9072000" cy="4988880"/>
+          </a:xfrm>
+          <a:prstGeom prst="rect">
+            <a:avLst/>
+          </a:prstGeom>
+        </p:spPr>
+        <p:txBody>
+          <a:bodyPr bIns="0" lIns="0" rIns="0" tIns="0" wrap="none"/>
+          <a:p>
+            <a:endParaRPr/>
+          </a:p>
+        </p:txBody>
+      </p:sp>
+    </p:spTree>
+  </p:cSld>
+</p:sldLayout>
+</file>
+
+<file path=ppt/slideLayouts/slideLayout16.xml><?xml version="1.0" encoding="utf-8"?>
+<p:sldLayout xmlns:a="http://schemas.openxmlformats.org/drawingml/2006/main" xmlns:p="http://schemas.openxmlformats.org/presentationml/2006/main" xmlns:r="http://schemas.openxmlformats.org/officeDocument/2006/relationships" preserve="1" type="twoObj">
+  <p:cSld name="Title, 2 Content">
+    <p:spTree>
+      <p:nvGrpSpPr>
+        <p:cNvPr id="1" name=""/>
+        <p:cNvGrpSpPr/>
+        <p:nvPr/>
+      </p:nvGrpSpPr>
+      <p:grpSpPr>
+        <a:xfrm>
+          <a:off x="0" y="0"/>
+          <a:ext cx="0" cy="0"/>
+          <a:chOff x="0" y="0"/>
+          <a:chExt cx="0" cy="0"/>
+        </a:xfrm>
+      </p:grpSpPr>
+      <p:sp>
+        <p:nvSpPr>
+          <p:cNvPr id="40" name="PlaceHolder 1"/>
+          <p:cNvSpPr>
+            <a:spLocks noGrp="1"/>
+          </p:cNvSpPr>
+          <p:nvPr>
+            <p:ph type="title"/>
+          </p:nvPr>
+        </p:nvSpPr>
+        <p:spPr>
+          <a:xfrm>
+            <a:off x="504000" y="301320"/>
+            <a:ext cx="9071280" cy="1262520"/>
+          </a:xfrm>
+          <a:prstGeom prst="rect">
+            <a:avLst/>
+          </a:prstGeom>
+        </p:spPr>
+        <p:txBody>
+          <a:bodyPr anchor="ctr" bIns="0" lIns="0" rIns="0" tIns="0" wrap="none"/>
+          <a:p>
+            <a:pPr algn="ctr"/>
+            <a:endParaRPr/>
+          </a:p>
+        </p:txBody>
+      </p:sp>
+      <p:sp>
+        <p:nvSpPr>
+          <p:cNvPr id="41" name="PlaceHolder 2"/>
+          <p:cNvSpPr>
+            <a:spLocks noGrp="1"/>
+          </p:cNvSpPr>
+          <p:nvPr>
+            <p:ph type="body"/>
+          </p:nvPr>
+        </p:nvSpPr>
+        <p:spPr>
+          <a:xfrm>
+            <a:off x="504000" y="1768680"/>
+            <a:ext cx="4426920" cy="4988880"/>
+          </a:xfrm>
+          <a:prstGeom prst="rect">
+            <a:avLst/>
+          </a:prstGeom>
+        </p:spPr>
+        <p:txBody>
+          <a:bodyPr bIns="0" lIns="0" rIns="0" tIns="0" wrap="none"/>
+          <a:p>
+            <a:endParaRPr/>
+          </a:p>
+        </p:txBody>
+      </p:sp>
+      <p:sp>
+        <p:nvSpPr>
+          <p:cNvPr id="42" name="PlaceHolder 3"/>
+          <p:cNvSpPr>
+            <a:spLocks noGrp="1"/>
+          </p:cNvSpPr>
+          <p:nvPr>
+            <p:ph type="body"/>
+          </p:nvPr>
+        </p:nvSpPr>
+        <p:spPr>
+          <a:xfrm>
+            <a:off x="5152320" y="1768680"/>
+            <a:ext cx="4426920" cy="4988880"/>
+          </a:xfrm>
+          <a:prstGeom prst="rect">
+            <a:avLst/>
+          </a:prstGeom>
+        </p:spPr>
+        <p:txBody>
+          <a:bodyPr bIns="0" lIns="0" rIns="0" tIns="0" wrap="none"/>
+          <a:p>
+            <a:endParaRPr/>
+          </a:p>
+        </p:txBody>
+      </p:sp>
+    </p:spTree>
+  </p:cSld>
+</p:sldLayout>
+</file>
+
+<file path=ppt/slideLayouts/slideLayout17.xml><?xml version="1.0" encoding="utf-8"?>
+<p:sldLayout xmlns:a="http://schemas.openxmlformats.org/drawingml/2006/main" xmlns:p="http://schemas.openxmlformats.org/presentationml/2006/main" xmlns:r="http://schemas.openxmlformats.org/officeDocument/2006/relationships" preserve="1" type="titleOnly">
+  <p:cSld name="Title Only">
+    <p:spTree>
+      <p:nvGrpSpPr>
+        <p:cNvPr id="1" name=""/>
+        <p:cNvGrpSpPr/>
+        <p:nvPr/>
+      </p:nvGrpSpPr>
+      <p:grpSpPr>
+        <a:xfrm>
+          <a:off x="0" y="0"/>
+          <a:ext cx="0" cy="0"/>
+          <a:chOff x="0" y="0"/>
+          <a:chExt cx="0" cy="0"/>
+        </a:xfrm>
+      </p:grpSpPr>
+      <p:sp>
+        <p:nvSpPr>
+          <p:cNvPr id="43" name="PlaceHolder 1"/>
+          <p:cNvSpPr>
+            <a:spLocks noGrp="1"/>
+          </p:cNvSpPr>
+          <p:nvPr>
+            <p:ph type="title"/>
+          </p:nvPr>
+        </p:nvSpPr>
+        <p:spPr>
+          <a:xfrm>
+            <a:off x="504000" y="301320"/>
+            <a:ext cx="9071280" cy="1262520"/>
+          </a:xfrm>
+          <a:prstGeom prst="rect">
+            <a:avLst/>
+          </a:prstGeom>
+        </p:spPr>
+        <p:txBody>
+          <a:bodyPr anchor="ctr" bIns="0" lIns="0" rIns="0" tIns="0" wrap="none"/>
+          <a:p>
+            <a:pPr algn="ctr"/>
+            <a:endParaRPr/>
+          </a:p>
+        </p:txBody>
+      </p:sp>
+    </p:spTree>
+  </p:cSld>
+</p:sldLayout>
+</file>
+
+<file path=ppt/slideLayouts/slideLayout18.xml><?xml version="1.0" encoding="utf-8"?>
+<p:sldLayout xmlns:a="http://schemas.openxmlformats.org/drawingml/2006/main" xmlns:p="http://schemas.openxmlformats.org/presentationml/2006/main" xmlns:r="http://schemas.openxmlformats.org/officeDocument/2006/relationships" preserve="1" type="objOnly">
+  <p:cSld name="Centered Text">
+    <p:spTree>
+      <p:nvGrpSpPr>
+        <p:cNvPr id="1" name=""/>
+        <p:cNvGrpSpPr/>
+        <p:nvPr/>
+      </p:nvGrpSpPr>
+      <p:grpSpPr>
+        <a:xfrm>
+          <a:off x="0" y="0"/>
+          <a:ext cx="0" cy="0"/>
+          <a:chOff x="0" y="0"/>
+          <a:chExt cx="0" cy="0"/>
+        </a:xfrm>
+      </p:grpSpPr>
+      <p:sp>
+        <p:nvSpPr>
+          <p:cNvPr id="44" name="PlaceHolder 1"/>
+          <p:cNvSpPr>
+            <a:spLocks noGrp="1"/>
+          </p:cNvSpPr>
+          <p:nvPr>
+            <p:ph type="subTitle"/>
+          </p:nvPr>
+        </p:nvSpPr>
+        <p:spPr>
+          <a:xfrm>
+            <a:off x="504000" y="301320"/>
+            <a:ext cx="9071280" cy="6456240"/>
+          </a:xfrm>
+          <a:prstGeom prst="rect">
+            <a:avLst/>
+          </a:prstGeom>
+        </p:spPr>
+        <p:txBody>
+          <a:bodyPr anchor="ctr" bIns="0" lIns="0" rIns="0" tIns="0" wrap="none"/>
+          <a:p>
+            <a:pPr algn="ctr"/>
+            <a:endParaRPr/>
+          </a:p>
+        </p:txBody>
+      </p:sp>
+    </p:spTree>
+  </p:cSld>
+</p:sldLayout>
+</file>
+
+<file path=ppt/slideLayouts/slideLayout19.xml><?xml version="1.0" encoding="utf-8"?>
+<p:sldLayout xmlns:a="http://schemas.openxmlformats.org/drawingml/2006/main" xmlns:p="http://schemas.openxmlformats.org/presentationml/2006/main" xmlns:r="http://schemas.openxmlformats.org/officeDocument/2006/relationships" preserve="1" type="twoObjAndObj">
+  <p:cSld name="Title, 2 Content and Content">
+    <p:spTree>
+      <p:nvGrpSpPr>
+        <p:cNvPr id="1" name=""/>
+        <p:cNvGrpSpPr/>
+        <p:nvPr/>
+      </p:nvGrpSpPr>
+      <p:grpSpPr>
+        <a:xfrm>
+          <a:off x="0" y="0"/>
+          <a:ext cx="0" cy="0"/>
+          <a:chOff x="0" y="0"/>
+          <a:chExt cx="0" cy="0"/>
+        </a:xfrm>
+      </p:grpSpPr>
+      <p:sp>
+        <p:nvSpPr>
+          <p:cNvPr id="45" name="PlaceHolder 1"/>
+          <p:cNvSpPr>
+            <a:spLocks noGrp="1"/>
+          </p:cNvSpPr>
+          <p:nvPr>
+            <p:ph type="title"/>
+          </p:nvPr>
+        </p:nvSpPr>
+        <p:spPr>
+          <a:xfrm>
+            <a:off x="504000" y="301320"/>
+            <a:ext cx="9071280" cy="1262520"/>
+          </a:xfrm>
+          <a:prstGeom prst="rect">
+            <a:avLst/>
+          </a:prstGeom>
+        </p:spPr>
+        <p:txBody>
+          <a:bodyPr anchor="ctr" bIns="0" lIns="0" rIns="0" tIns="0" wrap="none"/>
+          <a:p>
+            <a:pPr algn="ctr"/>
+            <a:endParaRPr/>
+          </a:p>
+        </p:txBody>
+      </p:sp>
+      <p:sp>
+        <p:nvSpPr>
+          <p:cNvPr id="46" name="PlaceHolder 2"/>
+          <p:cNvSpPr>
+            <a:spLocks noGrp="1"/>
+          </p:cNvSpPr>
+          <p:nvPr>
+            <p:ph type="body"/>
+          </p:nvPr>
+        </p:nvSpPr>
+        <p:spPr>
+          <a:xfrm>
+            <a:off x="504000" y="1768680"/>
+            <a:ext cx="4426920" cy="2379240"/>
+          </a:xfrm>
+          <a:prstGeom prst="rect">
+            <a:avLst/>
+          </a:prstGeom>
+        </p:spPr>
+        <p:txBody>
+          <a:bodyPr bIns="0" lIns="0" rIns="0" tIns="0" wrap="none"/>
+          <a:p>
+            <a:endParaRPr/>
+          </a:p>
+        </p:txBody>
+      </p:sp>
+      <p:sp>
+        <p:nvSpPr>
+          <p:cNvPr id="47" name="PlaceHolder 3"/>
+          <p:cNvSpPr>
+            <a:spLocks noGrp="1"/>
+          </p:cNvSpPr>
+          <p:nvPr>
+            <p:ph type="body"/>
+          </p:nvPr>
+        </p:nvSpPr>
+        <p:spPr>
+          <a:xfrm>
+            <a:off x="504000" y="4374000"/>
+            <a:ext cx="4426920" cy="2379240"/>
+          </a:xfrm>
+          <a:prstGeom prst="rect">
+            <a:avLst/>
+          </a:prstGeom>
+        </p:spPr>
+        <p:txBody>
+          <a:bodyPr bIns="0" lIns="0" rIns="0" tIns="0" wrap="none"/>
+          <a:p>
+            <a:endParaRPr/>
+          </a:p>
+        </p:txBody>
+      </p:sp>
+      <p:sp>
+        <p:nvSpPr>
+          <p:cNvPr id="48" name="PlaceHolder 4"/>
+          <p:cNvSpPr>
+            <a:spLocks noGrp="1"/>
+          </p:cNvSpPr>
+          <p:nvPr>
+            <p:ph type="body"/>
+          </p:nvPr>
+        </p:nvSpPr>
+        <p:spPr>
+          <a:xfrm>
+            <a:off x="5152320" y="1768680"/>
+            <a:ext cx="4426920" cy="4988880"/>
           </a:xfrm>
           <a:prstGeom prst="rect">
             <a:avLst/>
@@ -412,7 +912,7 @@
       </p:grpSpPr>
       <p:sp>
         <p:nvSpPr>
-          <p:cNvPr id="5" name="PlaceHolder 1"/>
+          <p:cNvPr id="2" name="PlaceHolder 1"/>
           <p:cNvSpPr>
             <a:spLocks noGrp="1"/>
           </p:cNvSpPr>
@@ -423,7 +923,7 @@
         <p:spPr>
           <a:xfrm>
             <a:off x="504000" y="301320"/>
-            <a:ext cx="9071640" cy="1262520"/>
+            <a:ext cx="9071280" cy="1262520"/>
           </a:xfrm>
           <a:prstGeom prst="rect">
             <a:avLst/>
@@ -439,7 +939,7 @@
       </p:sp>
       <p:sp>
         <p:nvSpPr>
-          <p:cNvPr id="6" name="PlaceHolder 2"/>
+          <p:cNvPr id="3" name="PlaceHolder 2"/>
           <p:cNvSpPr>
             <a:spLocks noGrp="1"/>
           </p:cNvSpPr>
@@ -449,8 +949,8 @@
         </p:nvSpPr>
         <p:spPr>
           <a:xfrm>
-            <a:off x="504000" y="1769040"/>
-            <a:ext cx="9071640" cy="4989600"/>
+            <a:off x="504000" y="1768680"/>
+            <a:ext cx="9072000" cy="4989240"/>
           </a:xfrm>
           <a:prstGeom prst="rect">
             <a:avLst/>
@@ -460,6 +960,615 @@
           <a:bodyPr anchor="ctr" bIns="0" lIns="0" rIns="0" tIns="0" wrap="none"/>
           <a:p>
             <a:pPr algn="ctr"/>
+            <a:endParaRPr/>
+          </a:p>
+        </p:txBody>
+      </p:sp>
+    </p:spTree>
+  </p:cSld>
+</p:sldLayout>
+</file>
+
+<file path=ppt/slideLayouts/slideLayout20.xml><?xml version="1.0" encoding="utf-8"?>
+<p:sldLayout xmlns:a="http://schemas.openxmlformats.org/drawingml/2006/main" xmlns:p="http://schemas.openxmlformats.org/presentationml/2006/main" xmlns:r="http://schemas.openxmlformats.org/officeDocument/2006/relationships" preserve="1" type="objAndTwoObj">
+  <p:cSld name="Title Content and 2 Content">
+    <p:spTree>
+      <p:nvGrpSpPr>
+        <p:cNvPr id="1" name=""/>
+        <p:cNvGrpSpPr/>
+        <p:nvPr/>
+      </p:nvGrpSpPr>
+      <p:grpSpPr>
+        <a:xfrm>
+          <a:off x="0" y="0"/>
+          <a:ext cx="0" cy="0"/>
+          <a:chOff x="0" y="0"/>
+          <a:chExt cx="0" cy="0"/>
+        </a:xfrm>
+      </p:grpSpPr>
+      <p:sp>
+        <p:nvSpPr>
+          <p:cNvPr id="49" name="PlaceHolder 1"/>
+          <p:cNvSpPr>
+            <a:spLocks noGrp="1"/>
+          </p:cNvSpPr>
+          <p:nvPr>
+            <p:ph type="title"/>
+          </p:nvPr>
+        </p:nvSpPr>
+        <p:spPr>
+          <a:xfrm>
+            <a:off x="504000" y="301320"/>
+            <a:ext cx="9071280" cy="1262520"/>
+          </a:xfrm>
+          <a:prstGeom prst="rect">
+            <a:avLst/>
+          </a:prstGeom>
+        </p:spPr>
+        <p:txBody>
+          <a:bodyPr anchor="ctr" bIns="0" lIns="0" rIns="0" tIns="0" wrap="none"/>
+          <a:p>
+            <a:pPr algn="ctr"/>
+            <a:endParaRPr/>
+          </a:p>
+        </p:txBody>
+      </p:sp>
+      <p:sp>
+        <p:nvSpPr>
+          <p:cNvPr id="50" name="PlaceHolder 2"/>
+          <p:cNvSpPr>
+            <a:spLocks noGrp="1"/>
+          </p:cNvSpPr>
+          <p:nvPr>
+            <p:ph type="body"/>
+          </p:nvPr>
+        </p:nvSpPr>
+        <p:spPr>
+          <a:xfrm>
+            <a:off x="504000" y="1768680"/>
+            <a:ext cx="4426920" cy="4988880"/>
+          </a:xfrm>
+          <a:prstGeom prst="rect">
+            <a:avLst/>
+          </a:prstGeom>
+        </p:spPr>
+        <p:txBody>
+          <a:bodyPr bIns="0" lIns="0" rIns="0" tIns="0" wrap="none"/>
+          <a:p>
+            <a:endParaRPr/>
+          </a:p>
+        </p:txBody>
+      </p:sp>
+      <p:sp>
+        <p:nvSpPr>
+          <p:cNvPr id="51" name="PlaceHolder 3"/>
+          <p:cNvSpPr>
+            <a:spLocks noGrp="1"/>
+          </p:cNvSpPr>
+          <p:nvPr>
+            <p:ph type="body"/>
+          </p:nvPr>
+        </p:nvSpPr>
+        <p:spPr>
+          <a:xfrm>
+            <a:off x="5152320" y="1768680"/>
+            <a:ext cx="4426920" cy="2379240"/>
+          </a:xfrm>
+          <a:prstGeom prst="rect">
+            <a:avLst/>
+          </a:prstGeom>
+        </p:spPr>
+        <p:txBody>
+          <a:bodyPr bIns="0" lIns="0" rIns="0" tIns="0" wrap="none"/>
+          <a:p>
+            <a:endParaRPr/>
+          </a:p>
+        </p:txBody>
+      </p:sp>
+      <p:sp>
+        <p:nvSpPr>
+          <p:cNvPr id="52" name="PlaceHolder 4"/>
+          <p:cNvSpPr>
+            <a:spLocks noGrp="1"/>
+          </p:cNvSpPr>
+          <p:nvPr>
+            <p:ph type="body"/>
+          </p:nvPr>
+        </p:nvSpPr>
+        <p:spPr>
+          <a:xfrm>
+            <a:off x="5152320" y="4374000"/>
+            <a:ext cx="4426920" cy="2379240"/>
+          </a:xfrm>
+          <a:prstGeom prst="rect">
+            <a:avLst/>
+          </a:prstGeom>
+        </p:spPr>
+        <p:txBody>
+          <a:bodyPr bIns="0" lIns="0" rIns="0" tIns="0" wrap="none"/>
+          <a:p>
+            <a:endParaRPr/>
+          </a:p>
+        </p:txBody>
+      </p:sp>
+    </p:spTree>
+  </p:cSld>
+</p:sldLayout>
+</file>
+
+<file path=ppt/slideLayouts/slideLayout21.xml><?xml version="1.0" encoding="utf-8"?>
+<p:sldLayout xmlns:a="http://schemas.openxmlformats.org/drawingml/2006/main" xmlns:p="http://schemas.openxmlformats.org/presentationml/2006/main" xmlns:r="http://schemas.openxmlformats.org/officeDocument/2006/relationships" preserve="1" type="twoObjOverTx">
+  <p:cSld name="Title, 2 Content over Content">
+    <p:spTree>
+      <p:nvGrpSpPr>
+        <p:cNvPr id="1" name=""/>
+        <p:cNvGrpSpPr/>
+        <p:nvPr/>
+      </p:nvGrpSpPr>
+      <p:grpSpPr>
+        <a:xfrm>
+          <a:off x="0" y="0"/>
+          <a:ext cx="0" cy="0"/>
+          <a:chOff x="0" y="0"/>
+          <a:chExt cx="0" cy="0"/>
+        </a:xfrm>
+      </p:grpSpPr>
+      <p:sp>
+        <p:nvSpPr>
+          <p:cNvPr id="53" name="PlaceHolder 1"/>
+          <p:cNvSpPr>
+            <a:spLocks noGrp="1"/>
+          </p:cNvSpPr>
+          <p:nvPr>
+            <p:ph type="title"/>
+          </p:nvPr>
+        </p:nvSpPr>
+        <p:spPr>
+          <a:xfrm>
+            <a:off x="504000" y="301320"/>
+            <a:ext cx="9071280" cy="1262520"/>
+          </a:xfrm>
+          <a:prstGeom prst="rect">
+            <a:avLst/>
+          </a:prstGeom>
+        </p:spPr>
+        <p:txBody>
+          <a:bodyPr anchor="ctr" bIns="0" lIns="0" rIns="0" tIns="0" wrap="none"/>
+          <a:p>
+            <a:pPr algn="ctr"/>
+            <a:endParaRPr/>
+          </a:p>
+        </p:txBody>
+      </p:sp>
+      <p:sp>
+        <p:nvSpPr>
+          <p:cNvPr id="54" name="PlaceHolder 2"/>
+          <p:cNvSpPr>
+            <a:spLocks noGrp="1"/>
+          </p:cNvSpPr>
+          <p:nvPr>
+            <p:ph type="body"/>
+          </p:nvPr>
+        </p:nvSpPr>
+        <p:spPr>
+          <a:xfrm>
+            <a:off x="504000" y="1768680"/>
+            <a:ext cx="4426920" cy="2379240"/>
+          </a:xfrm>
+          <a:prstGeom prst="rect">
+            <a:avLst/>
+          </a:prstGeom>
+        </p:spPr>
+        <p:txBody>
+          <a:bodyPr bIns="0" lIns="0" rIns="0" tIns="0" wrap="none"/>
+          <a:p>
+            <a:endParaRPr/>
+          </a:p>
+        </p:txBody>
+      </p:sp>
+      <p:sp>
+        <p:nvSpPr>
+          <p:cNvPr id="55" name="PlaceHolder 3"/>
+          <p:cNvSpPr>
+            <a:spLocks noGrp="1"/>
+          </p:cNvSpPr>
+          <p:nvPr>
+            <p:ph type="body"/>
+          </p:nvPr>
+        </p:nvSpPr>
+        <p:spPr>
+          <a:xfrm>
+            <a:off x="5152320" y="1768680"/>
+            <a:ext cx="4426920" cy="2379240"/>
+          </a:xfrm>
+          <a:prstGeom prst="rect">
+            <a:avLst/>
+          </a:prstGeom>
+        </p:spPr>
+        <p:txBody>
+          <a:bodyPr bIns="0" lIns="0" rIns="0" tIns="0" wrap="none"/>
+          <a:p>
+            <a:endParaRPr/>
+          </a:p>
+        </p:txBody>
+      </p:sp>
+      <p:sp>
+        <p:nvSpPr>
+          <p:cNvPr id="56" name="PlaceHolder 4"/>
+          <p:cNvSpPr>
+            <a:spLocks noGrp="1"/>
+          </p:cNvSpPr>
+          <p:nvPr>
+            <p:ph type="body"/>
+          </p:nvPr>
+        </p:nvSpPr>
+        <p:spPr>
+          <a:xfrm>
+            <a:off x="504000" y="4374000"/>
+            <a:ext cx="9071640" cy="2379240"/>
+          </a:xfrm>
+          <a:prstGeom prst="rect">
+            <a:avLst/>
+          </a:prstGeom>
+        </p:spPr>
+        <p:txBody>
+          <a:bodyPr bIns="0" lIns="0" rIns="0" tIns="0" wrap="none"/>
+          <a:p>
+            <a:endParaRPr/>
+          </a:p>
+        </p:txBody>
+      </p:sp>
+    </p:spTree>
+  </p:cSld>
+</p:sldLayout>
+</file>
+
+<file path=ppt/slideLayouts/slideLayout22.xml><?xml version="1.0" encoding="utf-8"?>
+<p:sldLayout xmlns:a="http://schemas.openxmlformats.org/drawingml/2006/main" xmlns:p="http://schemas.openxmlformats.org/presentationml/2006/main" xmlns:r="http://schemas.openxmlformats.org/officeDocument/2006/relationships" preserve="1" type="objOverTx">
+  <p:cSld name="Title, Content over Content">
+    <p:spTree>
+      <p:nvGrpSpPr>
+        <p:cNvPr id="1" name=""/>
+        <p:cNvGrpSpPr/>
+        <p:nvPr/>
+      </p:nvGrpSpPr>
+      <p:grpSpPr>
+        <a:xfrm>
+          <a:off x="0" y="0"/>
+          <a:ext cx="0" cy="0"/>
+          <a:chOff x="0" y="0"/>
+          <a:chExt cx="0" cy="0"/>
+        </a:xfrm>
+      </p:grpSpPr>
+      <p:sp>
+        <p:nvSpPr>
+          <p:cNvPr id="57" name="PlaceHolder 1"/>
+          <p:cNvSpPr>
+            <a:spLocks noGrp="1"/>
+          </p:cNvSpPr>
+          <p:nvPr>
+            <p:ph type="title"/>
+          </p:nvPr>
+        </p:nvSpPr>
+        <p:spPr>
+          <a:xfrm>
+            <a:off x="504000" y="301320"/>
+            <a:ext cx="9071280" cy="1262520"/>
+          </a:xfrm>
+          <a:prstGeom prst="rect">
+            <a:avLst/>
+          </a:prstGeom>
+        </p:spPr>
+        <p:txBody>
+          <a:bodyPr anchor="ctr" bIns="0" lIns="0" rIns="0" tIns="0" wrap="none"/>
+          <a:p>
+            <a:pPr algn="ctr"/>
+            <a:endParaRPr/>
+          </a:p>
+        </p:txBody>
+      </p:sp>
+      <p:sp>
+        <p:nvSpPr>
+          <p:cNvPr id="58" name="PlaceHolder 2"/>
+          <p:cNvSpPr>
+            <a:spLocks noGrp="1"/>
+          </p:cNvSpPr>
+          <p:nvPr>
+            <p:ph type="body"/>
+          </p:nvPr>
+        </p:nvSpPr>
+        <p:spPr>
+          <a:xfrm>
+            <a:off x="504000" y="1768680"/>
+            <a:ext cx="9072000" cy="2379240"/>
+          </a:xfrm>
+          <a:prstGeom prst="rect">
+            <a:avLst/>
+          </a:prstGeom>
+        </p:spPr>
+        <p:txBody>
+          <a:bodyPr bIns="0" lIns="0" rIns="0" tIns="0" wrap="none"/>
+          <a:p>
+            <a:endParaRPr/>
+          </a:p>
+        </p:txBody>
+      </p:sp>
+      <p:sp>
+        <p:nvSpPr>
+          <p:cNvPr id="59" name="PlaceHolder 3"/>
+          <p:cNvSpPr>
+            <a:spLocks noGrp="1"/>
+          </p:cNvSpPr>
+          <p:nvPr>
+            <p:ph type="body"/>
+          </p:nvPr>
+        </p:nvSpPr>
+        <p:spPr>
+          <a:xfrm>
+            <a:off x="504000" y="4374000"/>
+            <a:ext cx="9072000" cy="2379240"/>
+          </a:xfrm>
+          <a:prstGeom prst="rect">
+            <a:avLst/>
+          </a:prstGeom>
+        </p:spPr>
+        <p:txBody>
+          <a:bodyPr bIns="0" lIns="0" rIns="0" tIns="0" wrap="none"/>
+          <a:p>
+            <a:endParaRPr/>
+          </a:p>
+        </p:txBody>
+      </p:sp>
+    </p:spTree>
+  </p:cSld>
+</p:sldLayout>
+</file>
+
+<file path=ppt/slideLayouts/slideLayout23.xml><?xml version="1.0" encoding="utf-8"?>
+<p:sldLayout xmlns:a="http://schemas.openxmlformats.org/drawingml/2006/main" xmlns:p="http://schemas.openxmlformats.org/presentationml/2006/main" xmlns:r="http://schemas.openxmlformats.org/officeDocument/2006/relationships" preserve="1" type="fourObj">
+  <p:cSld name="Title, 4 Content">
+    <p:spTree>
+      <p:nvGrpSpPr>
+        <p:cNvPr id="1" name=""/>
+        <p:cNvGrpSpPr/>
+        <p:nvPr/>
+      </p:nvGrpSpPr>
+      <p:grpSpPr>
+        <a:xfrm>
+          <a:off x="0" y="0"/>
+          <a:ext cx="0" cy="0"/>
+          <a:chOff x="0" y="0"/>
+          <a:chExt cx="0" cy="0"/>
+        </a:xfrm>
+      </p:grpSpPr>
+      <p:sp>
+        <p:nvSpPr>
+          <p:cNvPr id="60" name="PlaceHolder 1"/>
+          <p:cNvSpPr>
+            <a:spLocks noGrp="1"/>
+          </p:cNvSpPr>
+          <p:nvPr>
+            <p:ph type="title"/>
+          </p:nvPr>
+        </p:nvSpPr>
+        <p:spPr>
+          <a:xfrm>
+            <a:off x="504000" y="301320"/>
+            <a:ext cx="9071280" cy="1262520"/>
+          </a:xfrm>
+          <a:prstGeom prst="rect">
+            <a:avLst/>
+          </a:prstGeom>
+        </p:spPr>
+        <p:txBody>
+          <a:bodyPr anchor="ctr" bIns="0" lIns="0" rIns="0" tIns="0" wrap="none"/>
+          <a:p>
+            <a:pPr algn="ctr"/>
+            <a:endParaRPr/>
+          </a:p>
+        </p:txBody>
+      </p:sp>
+      <p:sp>
+        <p:nvSpPr>
+          <p:cNvPr id="61" name="PlaceHolder 2"/>
+          <p:cNvSpPr>
+            <a:spLocks noGrp="1"/>
+          </p:cNvSpPr>
+          <p:nvPr>
+            <p:ph type="body"/>
+          </p:nvPr>
+        </p:nvSpPr>
+        <p:spPr>
+          <a:xfrm>
+            <a:off x="504000" y="1768680"/>
+            <a:ext cx="4426920" cy="2379240"/>
+          </a:xfrm>
+          <a:prstGeom prst="rect">
+            <a:avLst/>
+          </a:prstGeom>
+        </p:spPr>
+        <p:txBody>
+          <a:bodyPr bIns="0" lIns="0" rIns="0" tIns="0" wrap="none"/>
+          <a:p>
+            <a:endParaRPr/>
+          </a:p>
+        </p:txBody>
+      </p:sp>
+      <p:sp>
+        <p:nvSpPr>
+          <p:cNvPr id="62" name="PlaceHolder 3"/>
+          <p:cNvSpPr>
+            <a:spLocks noGrp="1"/>
+          </p:cNvSpPr>
+          <p:nvPr>
+            <p:ph type="body"/>
+          </p:nvPr>
+        </p:nvSpPr>
+        <p:spPr>
+          <a:xfrm>
+            <a:off x="5152320" y="1768680"/>
+            <a:ext cx="4426920" cy="2379240"/>
+          </a:xfrm>
+          <a:prstGeom prst="rect">
+            <a:avLst/>
+          </a:prstGeom>
+        </p:spPr>
+        <p:txBody>
+          <a:bodyPr bIns="0" lIns="0" rIns="0" tIns="0" wrap="none"/>
+          <a:p>
+            <a:endParaRPr/>
+          </a:p>
+        </p:txBody>
+      </p:sp>
+      <p:sp>
+        <p:nvSpPr>
+          <p:cNvPr id="63" name="PlaceHolder 4"/>
+          <p:cNvSpPr>
+            <a:spLocks noGrp="1"/>
+          </p:cNvSpPr>
+          <p:nvPr>
+            <p:ph type="body"/>
+          </p:nvPr>
+        </p:nvSpPr>
+        <p:spPr>
+          <a:xfrm>
+            <a:off x="5152320" y="4374000"/>
+            <a:ext cx="4426920" cy="2379240"/>
+          </a:xfrm>
+          <a:prstGeom prst="rect">
+            <a:avLst/>
+          </a:prstGeom>
+        </p:spPr>
+        <p:txBody>
+          <a:bodyPr bIns="0" lIns="0" rIns="0" tIns="0" wrap="none"/>
+          <a:p>
+            <a:endParaRPr/>
+          </a:p>
+        </p:txBody>
+      </p:sp>
+      <p:sp>
+        <p:nvSpPr>
+          <p:cNvPr id="64" name="PlaceHolder 5"/>
+          <p:cNvSpPr>
+            <a:spLocks noGrp="1"/>
+          </p:cNvSpPr>
+          <p:nvPr>
+            <p:ph type="body"/>
+          </p:nvPr>
+        </p:nvSpPr>
+        <p:spPr>
+          <a:xfrm>
+            <a:off x="504000" y="4374000"/>
+            <a:ext cx="4426920" cy="2379240"/>
+          </a:xfrm>
+          <a:prstGeom prst="rect">
+            <a:avLst/>
+          </a:prstGeom>
+        </p:spPr>
+        <p:txBody>
+          <a:bodyPr bIns="0" lIns="0" rIns="0" tIns="0" wrap="none"/>
+          <a:p>
+            <a:endParaRPr/>
+          </a:p>
+        </p:txBody>
+      </p:sp>
+    </p:spTree>
+  </p:cSld>
+</p:sldLayout>
+</file>
+
+<file path=ppt/slideLayouts/slideLayout24.xml><?xml version="1.0" encoding="utf-8"?>
+<p:sldLayout xmlns:a="http://schemas.openxmlformats.org/drawingml/2006/main" xmlns:p="http://schemas.openxmlformats.org/presentationml/2006/main" xmlns:r="http://schemas.openxmlformats.org/officeDocument/2006/relationships" preserve="1" type="blank">
+  <p:cSld name="Title, 6 Content">
+    <p:spTree>
+      <p:nvGrpSpPr>
+        <p:cNvPr id="1" name=""/>
+        <p:cNvGrpSpPr/>
+        <p:nvPr/>
+      </p:nvGrpSpPr>
+      <p:grpSpPr>
+        <a:xfrm>
+          <a:off x="0" y="0"/>
+          <a:ext cx="0" cy="0"/>
+          <a:chOff x="0" y="0"/>
+          <a:chExt cx="0" cy="0"/>
+        </a:xfrm>
+      </p:grpSpPr>
+      <p:sp>
+        <p:nvSpPr>
+          <p:cNvPr id="65" name="PlaceHolder 1"/>
+          <p:cNvSpPr>
+            <a:spLocks noGrp="1"/>
+          </p:cNvSpPr>
+          <p:nvPr>
+            <p:ph type="title"/>
+          </p:nvPr>
+        </p:nvSpPr>
+        <p:spPr>
+          <a:xfrm>
+            <a:off x="504000" y="301320"/>
+            <a:ext cx="9071280" cy="1262520"/>
+          </a:xfrm>
+          <a:prstGeom prst="rect">
+            <a:avLst/>
+          </a:prstGeom>
+        </p:spPr>
+        <p:txBody>
+          <a:bodyPr anchor="ctr" bIns="0" lIns="0" rIns="0" tIns="0" wrap="none"/>
+          <a:p>
+            <a:pPr algn="ctr"/>
+            <a:endParaRPr/>
+          </a:p>
+        </p:txBody>
+      </p:sp>
+      <p:sp>
+        <p:nvSpPr>
+          <p:cNvPr id="66" name="PlaceHolder 2"/>
+          <p:cNvSpPr>
+            <a:spLocks noGrp="1"/>
+          </p:cNvSpPr>
+          <p:nvPr>
+            <p:ph type="body"/>
+          </p:nvPr>
+        </p:nvSpPr>
+        <p:spPr>
+          <a:xfrm>
+            <a:off x="504000" y="1768680"/>
+            <a:ext cx="4426920" cy="2379240"/>
+          </a:xfrm>
+          <a:prstGeom prst="rect">
+            <a:avLst/>
+          </a:prstGeom>
+        </p:spPr>
+        <p:txBody>
+          <a:bodyPr bIns="0" lIns="0" rIns="0" tIns="0" wrap="none"/>
+          <a:p>
+            <a:endParaRPr/>
+          </a:p>
+        </p:txBody>
+      </p:sp>
+      <p:sp>
+        <p:nvSpPr>
+          <p:cNvPr id="67" name="PlaceHolder 3"/>
+          <p:cNvSpPr>
+            <a:spLocks noGrp="1"/>
+          </p:cNvSpPr>
+          <p:nvPr>
+            <p:ph type="body"/>
+          </p:nvPr>
+        </p:nvSpPr>
+        <p:spPr>
+          <a:xfrm>
+            <a:off x="5152320" y="1768680"/>
+            <a:ext cx="4426920" cy="2379240"/>
+          </a:xfrm>
+          <a:prstGeom prst="rect">
+            <a:avLst/>
+          </a:prstGeom>
+        </p:spPr>
+        <p:txBody>
+          <a:bodyPr bIns="0" lIns="0" rIns="0" tIns="0" wrap="none"/>
+          <a:p>
             <a:endParaRPr/>
           </a:p>
         </p:txBody>
@@ -488,7 +1597,7 @@
       </p:grpSpPr>
       <p:sp>
         <p:nvSpPr>
-          <p:cNvPr id="7" name="PlaceHolder 1"/>
+          <p:cNvPr id="4" name="PlaceHolder 1"/>
           <p:cNvSpPr>
             <a:spLocks noGrp="1"/>
           </p:cNvSpPr>
@@ -499,7 +1608,7 @@
         <p:spPr>
           <a:xfrm>
             <a:off x="504000" y="301320"/>
-            <a:ext cx="9071640" cy="1262520"/>
+            <a:ext cx="9071280" cy="1262520"/>
           </a:xfrm>
           <a:prstGeom prst="rect">
             <a:avLst/>
@@ -515,18 +1624,18 @@
       </p:sp>
       <p:sp>
         <p:nvSpPr>
-          <p:cNvPr id="8" name="PlaceHolder 2"/>
-          <p:cNvSpPr>
-            <a:spLocks noGrp="1"/>
-          </p:cNvSpPr>
-          <p:nvPr>
-            <p:ph type="body"/>
-          </p:nvPr>
-        </p:nvSpPr>
-        <p:spPr>
-          <a:xfrm>
-            <a:off x="504000" y="1769040"/>
-            <a:ext cx="9071640" cy="4989240"/>
+          <p:cNvPr id="5" name="PlaceHolder 2"/>
+          <p:cNvSpPr>
+            <a:spLocks noGrp="1"/>
+          </p:cNvSpPr>
+          <p:nvPr>
+            <p:ph type="body"/>
+          </p:nvPr>
+        </p:nvSpPr>
+        <p:spPr>
+          <a:xfrm>
+            <a:off x="504000" y="1768680"/>
+            <a:ext cx="9072000" cy="4988880"/>
           </a:xfrm>
           <a:prstGeom prst="rect">
             <a:avLst/>
@@ -563,7 +1672,7 @@
       </p:grpSpPr>
       <p:sp>
         <p:nvSpPr>
-          <p:cNvPr id="9" name="PlaceHolder 1"/>
+          <p:cNvPr id="6" name="PlaceHolder 1"/>
           <p:cNvSpPr>
             <a:spLocks noGrp="1"/>
           </p:cNvSpPr>
@@ -574,7 +1683,7 @@
         <p:spPr>
           <a:xfrm>
             <a:off x="504000" y="301320"/>
-            <a:ext cx="9071640" cy="1262520"/>
+            <a:ext cx="9071280" cy="1262520"/>
           </a:xfrm>
           <a:prstGeom prst="rect">
             <a:avLst/>
@@ -590,44 +1699,44 @@
       </p:sp>
       <p:sp>
         <p:nvSpPr>
-          <p:cNvPr id="10" name="PlaceHolder 2"/>
-          <p:cNvSpPr>
-            <a:spLocks noGrp="1"/>
-          </p:cNvSpPr>
-          <p:nvPr>
-            <p:ph type="body"/>
-          </p:nvPr>
-        </p:nvSpPr>
-        <p:spPr>
-          <a:xfrm>
-            <a:off x="504000" y="1769040"/>
-            <a:ext cx="4426560" cy="4989240"/>
-          </a:xfrm>
-          <a:prstGeom prst="rect">
-            <a:avLst/>
-          </a:prstGeom>
-        </p:spPr>
-        <p:txBody>
-          <a:bodyPr bIns="0" lIns="0" rIns="0" tIns="0" wrap="none"/>
-          <a:p>
-            <a:endParaRPr/>
-          </a:p>
-        </p:txBody>
-      </p:sp>
-      <p:sp>
-        <p:nvSpPr>
-          <p:cNvPr id="11" name="PlaceHolder 3"/>
-          <p:cNvSpPr>
-            <a:spLocks noGrp="1"/>
-          </p:cNvSpPr>
-          <p:nvPr>
-            <p:ph type="body"/>
-          </p:nvPr>
-        </p:nvSpPr>
-        <p:spPr>
-          <a:xfrm>
-            <a:off x="5151960" y="1769040"/>
-            <a:ext cx="4426560" cy="4989240"/>
+          <p:cNvPr id="7" name="PlaceHolder 2"/>
+          <p:cNvSpPr>
+            <a:spLocks noGrp="1"/>
+          </p:cNvSpPr>
+          <p:nvPr>
+            <p:ph type="body"/>
+          </p:nvPr>
+        </p:nvSpPr>
+        <p:spPr>
+          <a:xfrm>
+            <a:off x="504000" y="1768680"/>
+            <a:ext cx="4426920" cy="4988880"/>
+          </a:xfrm>
+          <a:prstGeom prst="rect">
+            <a:avLst/>
+          </a:prstGeom>
+        </p:spPr>
+        <p:txBody>
+          <a:bodyPr bIns="0" lIns="0" rIns="0" tIns="0" wrap="none"/>
+          <a:p>
+            <a:endParaRPr/>
+          </a:p>
+        </p:txBody>
+      </p:sp>
+      <p:sp>
+        <p:nvSpPr>
+          <p:cNvPr id="8" name="PlaceHolder 3"/>
+          <p:cNvSpPr>
+            <a:spLocks noGrp="1"/>
+          </p:cNvSpPr>
+          <p:nvPr>
+            <p:ph type="body"/>
+          </p:nvPr>
+        </p:nvSpPr>
+        <p:spPr>
+          <a:xfrm>
+            <a:off x="5152320" y="1768680"/>
+            <a:ext cx="4426920" cy="4988880"/>
           </a:xfrm>
           <a:prstGeom prst="rect">
             <a:avLst/>
@@ -664,7 +1773,7 @@
       </p:grpSpPr>
       <p:sp>
         <p:nvSpPr>
-          <p:cNvPr id="12" name="PlaceHolder 1"/>
+          <p:cNvPr id="9" name="PlaceHolder 1"/>
           <p:cNvSpPr>
             <a:spLocks noGrp="1"/>
           </p:cNvSpPr>
@@ -675,7 +1784,7 @@
         <p:spPr>
           <a:xfrm>
             <a:off x="504000" y="301320"/>
-            <a:ext cx="9071640" cy="1262520"/>
+            <a:ext cx="9071280" cy="1262520"/>
           </a:xfrm>
           <a:prstGeom prst="rect">
             <a:avLst/>
@@ -713,7 +1822,7 @@
       </p:grpSpPr>
       <p:sp>
         <p:nvSpPr>
-          <p:cNvPr id="13" name="PlaceHolder 1"/>
+          <p:cNvPr id="10" name="PlaceHolder 1"/>
           <p:cNvSpPr>
             <a:spLocks noGrp="1"/>
           </p:cNvSpPr>
@@ -724,7 +1833,7 @@
         <p:spPr>
           <a:xfrm>
             <a:off x="504000" y="301320"/>
-            <a:ext cx="9071640" cy="6456960"/>
+            <a:ext cx="9071280" cy="6456240"/>
           </a:xfrm>
           <a:prstGeom prst="rect">
             <a:avLst/>
@@ -762,7 +1871,7 @@
       </p:grpSpPr>
       <p:sp>
         <p:nvSpPr>
-          <p:cNvPr id="14" name="PlaceHolder 1"/>
+          <p:cNvPr id="11" name="PlaceHolder 1"/>
           <p:cNvSpPr>
             <a:spLocks noGrp="1"/>
           </p:cNvSpPr>
@@ -773,7 +1882,7 @@
         <p:spPr>
           <a:xfrm>
             <a:off x="504000" y="301320"/>
-            <a:ext cx="9071640" cy="1262520"/>
+            <a:ext cx="9071280" cy="1262520"/>
           </a:xfrm>
           <a:prstGeom prst="rect">
             <a:avLst/>
@@ -789,70 +1898,70 @@
       </p:sp>
       <p:sp>
         <p:nvSpPr>
-          <p:cNvPr id="15" name="PlaceHolder 2"/>
-          <p:cNvSpPr>
-            <a:spLocks noGrp="1"/>
-          </p:cNvSpPr>
-          <p:nvPr>
-            <p:ph type="body"/>
-          </p:nvPr>
-        </p:nvSpPr>
-        <p:spPr>
-          <a:xfrm>
-            <a:off x="504000" y="1769040"/>
-            <a:ext cx="4426560" cy="2379600"/>
-          </a:xfrm>
-          <a:prstGeom prst="rect">
-            <a:avLst/>
-          </a:prstGeom>
-        </p:spPr>
-        <p:txBody>
-          <a:bodyPr bIns="0" lIns="0" rIns="0" tIns="0" wrap="none"/>
-          <a:p>
-            <a:endParaRPr/>
-          </a:p>
-        </p:txBody>
-      </p:sp>
-      <p:sp>
-        <p:nvSpPr>
-          <p:cNvPr id="16" name="PlaceHolder 3"/>
-          <p:cNvSpPr>
-            <a:spLocks noGrp="1"/>
-          </p:cNvSpPr>
-          <p:nvPr>
-            <p:ph type="body"/>
-          </p:nvPr>
-        </p:nvSpPr>
-        <p:spPr>
-          <a:xfrm>
-            <a:off x="504000" y="4375080"/>
-            <a:ext cx="4426560" cy="2379600"/>
-          </a:xfrm>
-          <a:prstGeom prst="rect">
-            <a:avLst/>
-          </a:prstGeom>
-        </p:spPr>
-        <p:txBody>
-          <a:bodyPr bIns="0" lIns="0" rIns="0" tIns="0" wrap="none"/>
-          <a:p>
-            <a:endParaRPr/>
-          </a:p>
-        </p:txBody>
-      </p:sp>
-      <p:sp>
-        <p:nvSpPr>
-          <p:cNvPr id="17" name="PlaceHolder 4"/>
-          <p:cNvSpPr>
-            <a:spLocks noGrp="1"/>
-          </p:cNvSpPr>
-          <p:nvPr>
-            <p:ph type="body"/>
-          </p:nvPr>
-        </p:nvSpPr>
-        <p:spPr>
-          <a:xfrm>
-            <a:off x="5151960" y="1769040"/>
-            <a:ext cx="4426560" cy="4989240"/>
+          <p:cNvPr id="12" name="PlaceHolder 2"/>
+          <p:cNvSpPr>
+            <a:spLocks noGrp="1"/>
+          </p:cNvSpPr>
+          <p:nvPr>
+            <p:ph type="body"/>
+          </p:nvPr>
+        </p:nvSpPr>
+        <p:spPr>
+          <a:xfrm>
+            <a:off x="504000" y="1768680"/>
+            <a:ext cx="4426920" cy="2379240"/>
+          </a:xfrm>
+          <a:prstGeom prst="rect">
+            <a:avLst/>
+          </a:prstGeom>
+        </p:spPr>
+        <p:txBody>
+          <a:bodyPr bIns="0" lIns="0" rIns="0" tIns="0" wrap="none"/>
+          <a:p>
+            <a:endParaRPr/>
+          </a:p>
+        </p:txBody>
+      </p:sp>
+      <p:sp>
+        <p:nvSpPr>
+          <p:cNvPr id="13" name="PlaceHolder 3"/>
+          <p:cNvSpPr>
+            <a:spLocks noGrp="1"/>
+          </p:cNvSpPr>
+          <p:nvPr>
+            <p:ph type="body"/>
+          </p:nvPr>
+        </p:nvSpPr>
+        <p:spPr>
+          <a:xfrm>
+            <a:off x="504000" y="4374000"/>
+            <a:ext cx="4426920" cy="2379240"/>
+          </a:xfrm>
+          <a:prstGeom prst="rect">
+            <a:avLst/>
+          </a:prstGeom>
+        </p:spPr>
+        <p:txBody>
+          <a:bodyPr bIns="0" lIns="0" rIns="0" tIns="0" wrap="none"/>
+          <a:p>
+            <a:endParaRPr/>
+          </a:p>
+        </p:txBody>
+      </p:sp>
+      <p:sp>
+        <p:nvSpPr>
+          <p:cNvPr id="14" name="PlaceHolder 4"/>
+          <p:cNvSpPr>
+            <a:spLocks noGrp="1"/>
+          </p:cNvSpPr>
+          <p:nvPr>
+            <p:ph type="body"/>
+          </p:nvPr>
+        </p:nvSpPr>
+        <p:spPr>
+          <a:xfrm>
+            <a:off x="5152320" y="1768680"/>
+            <a:ext cx="4426920" cy="4988880"/>
           </a:xfrm>
           <a:prstGeom prst="rect">
             <a:avLst/>
@@ -889,7 +1998,7 @@
       </p:grpSpPr>
       <p:sp>
         <p:nvSpPr>
-          <p:cNvPr id="18" name="PlaceHolder 1"/>
+          <p:cNvPr id="15" name="PlaceHolder 1"/>
           <p:cNvSpPr>
             <a:spLocks noGrp="1"/>
           </p:cNvSpPr>
@@ -900,7 +2009,7 @@
         <p:spPr>
           <a:xfrm>
             <a:off x="504000" y="301320"/>
-            <a:ext cx="9071640" cy="1262520"/>
+            <a:ext cx="9071280" cy="1262520"/>
           </a:xfrm>
           <a:prstGeom prst="rect">
             <a:avLst/>
@@ -916,70 +2025,70 @@
       </p:sp>
       <p:sp>
         <p:nvSpPr>
-          <p:cNvPr id="19" name="PlaceHolder 2"/>
-          <p:cNvSpPr>
-            <a:spLocks noGrp="1"/>
-          </p:cNvSpPr>
-          <p:nvPr>
-            <p:ph type="body"/>
-          </p:nvPr>
-        </p:nvSpPr>
-        <p:spPr>
-          <a:xfrm>
-            <a:off x="504000" y="1769040"/>
-            <a:ext cx="4426560" cy="4989240"/>
-          </a:xfrm>
-          <a:prstGeom prst="rect">
-            <a:avLst/>
-          </a:prstGeom>
-        </p:spPr>
-        <p:txBody>
-          <a:bodyPr bIns="0" lIns="0" rIns="0" tIns="0" wrap="none"/>
-          <a:p>
-            <a:endParaRPr/>
-          </a:p>
-        </p:txBody>
-      </p:sp>
-      <p:sp>
-        <p:nvSpPr>
-          <p:cNvPr id="20" name="PlaceHolder 3"/>
-          <p:cNvSpPr>
-            <a:spLocks noGrp="1"/>
-          </p:cNvSpPr>
-          <p:nvPr>
-            <p:ph type="body"/>
-          </p:nvPr>
-        </p:nvSpPr>
-        <p:spPr>
-          <a:xfrm>
-            <a:off x="5151960" y="1769040"/>
-            <a:ext cx="4426560" cy="2379600"/>
-          </a:xfrm>
-          <a:prstGeom prst="rect">
-            <a:avLst/>
-          </a:prstGeom>
-        </p:spPr>
-        <p:txBody>
-          <a:bodyPr bIns="0" lIns="0" rIns="0" tIns="0" wrap="none"/>
-          <a:p>
-            <a:endParaRPr/>
-          </a:p>
-        </p:txBody>
-      </p:sp>
-      <p:sp>
-        <p:nvSpPr>
-          <p:cNvPr id="21" name="PlaceHolder 4"/>
-          <p:cNvSpPr>
-            <a:spLocks noGrp="1"/>
-          </p:cNvSpPr>
-          <p:nvPr>
-            <p:ph type="body"/>
-          </p:nvPr>
-        </p:nvSpPr>
-        <p:spPr>
-          <a:xfrm>
-            <a:off x="5151960" y="4375080"/>
-            <a:ext cx="4426560" cy="2379600"/>
+          <p:cNvPr id="16" name="PlaceHolder 2"/>
+          <p:cNvSpPr>
+            <a:spLocks noGrp="1"/>
+          </p:cNvSpPr>
+          <p:nvPr>
+            <p:ph type="body"/>
+          </p:nvPr>
+        </p:nvSpPr>
+        <p:spPr>
+          <a:xfrm>
+            <a:off x="504000" y="1768680"/>
+            <a:ext cx="4426920" cy="4988880"/>
+          </a:xfrm>
+          <a:prstGeom prst="rect">
+            <a:avLst/>
+          </a:prstGeom>
+        </p:spPr>
+        <p:txBody>
+          <a:bodyPr bIns="0" lIns="0" rIns="0" tIns="0" wrap="none"/>
+          <a:p>
+            <a:endParaRPr/>
+          </a:p>
+        </p:txBody>
+      </p:sp>
+      <p:sp>
+        <p:nvSpPr>
+          <p:cNvPr id="17" name="PlaceHolder 3"/>
+          <p:cNvSpPr>
+            <a:spLocks noGrp="1"/>
+          </p:cNvSpPr>
+          <p:nvPr>
+            <p:ph type="body"/>
+          </p:nvPr>
+        </p:nvSpPr>
+        <p:spPr>
+          <a:xfrm>
+            <a:off x="5152320" y="1768680"/>
+            <a:ext cx="4426920" cy="2379240"/>
+          </a:xfrm>
+          <a:prstGeom prst="rect">
+            <a:avLst/>
+          </a:prstGeom>
+        </p:spPr>
+        <p:txBody>
+          <a:bodyPr bIns="0" lIns="0" rIns="0" tIns="0" wrap="none"/>
+          <a:p>
+            <a:endParaRPr/>
+          </a:p>
+        </p:txBody>
+      </p:sp>
+      <p:sp>
+        <p:nvSpPr>
+          <p:cNvPr id="18" name="PlaceHolder 4"/>
+          <p:cNvSpPr>
+            <a:spLocks noGrp="1"/>
+          </p:cNvSpPr>
+          <p:nvPr>
+            <p:ph type="body"/>
+          </p:nvPr>
+        </p:nvSpPr>
+        <p:spPr>
+          <a:xfrm>
+            <a:off x="5152320" y="4374000"/>
+            <a:ext cx="4426920" cy="2379240"/>
           </a:xfrm>
           <a:prstGeom prst="rect">
             <a:avLst/>
@@ -1016,7 +2125,7 @@
       </p:grpSpPr>
       <p:sp>
         <p:nvSpPr>
-          <p:cNvPr id="22" name="PlaceHolder 1"/>
+          <p:cNvPr id="19" name="PlaceHolder 1"/>
           <p:cNvSpPr>
             <a:spLocks noGrp="1"/>
           </p:cNvSpPr>
@@ -1027,7 +2136,7 @@
         <p:spPr>
           <a:xfrm>
             <a:off x="504000" y="301320"/>
-            <a:ext cx="9071640" cy="1262520"/>
+            <a:ext cx="9071280" cy="1262520"/>
           </a:xfrm>
           <a:prstGeom prst="rect">
             <a:avLst/>
@@ -1043,70 +2152,70 @@
       </p:sp>
       <p:sp>
         <p:nvSpPr>
-          <p:cNvPr id="23" name="PlaceHolder 2"/>
-          <p:cNvSpPr>
-            <a:spLocks noGrp="1"/>
-          </p:cNvSpPr>
-          <p:nvPr>
-            <p:ph type="body"/>
-          </p:nvPr>
-        </p:nvSpPr>
-        <p:spPr>
-          <a:xfrm>
-            <a:off x="504000" y="1769040"/>
-            <a:ext cx="4426560" cy="2379600"/>
-          </a:xfrm>
-          <a:prstGeom prst="rect">
-            <a:avLst/>
-          </a:prstGeom>
-        </p:spPr>
-        <p:txBody>
-          <a:bodyPr bIns="0" lIns="0" rIns="0" tIns="0" wrap="none"/>
-          <a:p>
-            <a:endParaRPr/>
-          </a:p>
-        </p:txBody>
-      </p:sp>
-      <p:sp>
-        <p:nvSpPr>
-          <p:cNvPr id="24" name="PlaceHolder 3"/>
-          <p:cNvSpPr>
-            <a:spLocks noGrp="1"/>
-          </p:cNvSpPr>
-          <p:nvPr>
-            <p:ph type="body"/>
-          </p:nvPr>
-        </p:nvSpPr>
-        <p:spPr>
-          <a:xfrm>
-            <a:off x="5151960" y="1769040"/>
-            <a:ext cx="4426560" cy="2379600"/>
-          </a:xfrm>
-          <a:prstGeom prst="rect">
-            <a:avLst/>
-          </a:prstGeom>
-        </p:spPr>
-        <p:txBody>
-          <a:bodyPr bIns="0" lIns="0" rIns="0" tIns="0" wrap="none"/>
-          <a:p>
-            <a:endParaRPr/>
-          </a:p>
-        </p:txBody>
-      </p:sp>
-      <p:sp>
-        <p:nvSpPr>
-          <p:cNvPr id="25" name="PlaceHolder 4"/>
-          <p:cNvSpPr>
-            <a:spLocks noGrp="1"/>
-          </p:cNvSpPr>
-          <p:nvPr>
-            <p:ph type="body"/>
-          </p:nvPr>
-        </p:nvSpPr>
-        <p:spPr>
-          <a:xfrm>
-            <a:off x="504000" y="4375080"/>
-            <a:ext cx="9070920" cy="2379600"/>
+          <p:cNvPr id="20" name="PlaceHolder 2"/>
+          <p:cNvSpPr>
+            <a:spLocks noGrp="1"/>
+          </p:cNvSpPr>
+          <p:nvPr>
+            <p:ph type="body"/>
+          </p:nvPr>
+        </p:nvSpPr>
+        <p:spPr>
+          <a:xfrm>
+            <a:off x="504000" y="1768680"/>
+            <a:ext cx="4426920" cy="2379240"/>
+          </a:xfrm>
+          <a:prstGeom prst="rect">
+            <a:avLst/>
+          </a:prstGeom>
+        </p:spPr>
+        <p:txBody>
+          <a:bodyPr bIns="0" lIns="0" rIns="0" tIns="0" wrap="none"/>
+          <a:p>
+            <a:endParaRPr/>
+          </a:p>
+        </p:txBody>
+      </p:sp>
+      <p:sp>
+        <p:nvSpPr>
+          <p:cNvPr id="21" name="PlaceHolder 3"/>
+          <p:cNvSpPr>
+            <a:spLocks noGrp="1"/>
+          </p:cNvSpPr>
+          <p:nvPr>
+            <p:ph type="body"/>
+          </p:nvPr>
+        </p:nvSpPr>
+        <p:spPr>
+          <a:xfrm>
+            <a:off x="5152320" y="1768680"/>
+            <a:ext cx="4426920" cy="2379240"/>
+          </a:xfrm>
+          <a:prstGeom prst="rect">
+            <a:avLst/>
+          </a:prstGeom>
+        </p:spPr>
+        <p:txBody>
+          <a:bodyPr bIns="0" lIns="0" rIns="0" tIns="0" wrap="none"/>
+          <a:p>
+            <a:endParaRPr/>
+          </a:p>
+        </p:txBody>
+      </p:sp>
+      <p:sp>
+        <p:nvSpPr>
+          <p:cNvPr id="22" name="PlaceHolder 4"/>
+          <p:cNvSpPr>
+            <a:spLocks noGrp="1"/>
+          </p:cNvSpPr>
+          <p:nvPr>
+            <p:ph type="body"/>
+          </p:nvPr>
+        </p:nvSpPr>
+        <p:spPr>
+          <a:xfrm>
+            <a:off x="504000" y="4374000"/>
+            <a:ext cx="9071640" cy="2379240"/>
           </a:xfrm>
           <a:prstGeom prst="rect">
             <a:avLst/>
@@ -1154,7 +2263,7 @@
         <p:spPr>
           <a:xfrm>
             <a:off x="504000" y="301320"/>
-            <a:ext cx="9071640" cy="1262160"/>
+            <a:ext cx="9071280" cy="1262160"/>
           </a:xfrm>
           <a:prstGeom prst="rect">
             <a:avLst/>
@@ -1184,8 +2293,8 @@
         </p:nvSpPr>
         <p:spPr>
           <a:xfrm>
-            <a:off x="504000" y="1769040"/>
-            <a:ext cx="9071640" cy="4989240"/>
+            <a:off x="504000" y="1768680"/>
+            <a:ext cx="9072000" cy="4988880"/>
           </a:xfrm>
           <a:prstGeom prst="rect">
             <a:avLst/>
@@ -1299,98 +2408,6 @@
               <a:rPr lang="de-CH"/>
               <a:t>Neunte Gliederungsebene</a:t>
             </a:r>
-            <a:endParaRPr/>
-          </a:p>
-        </p:txBody>
-      </p:sp>
-      <p:sp>
-        <p:nvSpPr>
-          <p:cNvPr id="2" name="PlaceHolder 3"/>
-          <p:cNvSpPr>
-            <a:spLocks noGrp="1"/>
-          </p:cNvSpPr>
-          <p:nvPr>
-            <p:ph type="dt"/>
-          </p:nvPr>
-        </p:nvSpPr>
-        <p:spPr>
-          <a:xfrm>
-            <a:off x="504000" y="6887160"/>
-            <a:ext cx="2348280" cy="521280"/>
-          </a:xfrm>
-          <a:prstGeom prst="rect">
-            <a:avLst/>
-          </a:prstGeom>
-        </p:spPr>
-        <p:txBody>
-          <a:bodyPr bIns="0" lIns="0" rIns="0" tIns="0" wrap="none"/>
-          <a:p>
-            <a:r>
-              <a:rPr lang="de-CH"/>
-              <a:t>&lt;Datum/Uhrzeit&gt;</a:t>
-            </a:r>
-            <a:endParaRPr/>
-          </a:p>
-        </p:txBody>
-      </p:sp>
-      <p:sp>
-        <p:nvSpPr>
-          <p:cNvPr id="3" name="PlaceHolder 4"/>
-          <p:cNvSpPr>
-            <a:spLocks noGrp="1"/>
-          </p:cNvSpPr>
-          <p:nvPr>
-            <p:ph type="ftr"/>
-          </p:nvPr>
-        </p:nvSpPr>
-        <p:spPr>
-          <a:xfrm>
-            <a:off x="3447360" y="6887160"/>
-            <a:ext cx="3195000" cy="521280"/>
-          </a:xfrm>
-          <a:prstGeom prst="rect">
-            <a:avLst/>
-          </a:prstGeom>
-        </p:spPr>
-        <p:txBody>
-          <a:bodyPr bIns="0" lIns="0" rIns="0" tIns="0" wrap="none"/>
-          <a:p>
-            <a:pPr algn="ctr"/>
-            <a:r>
-              <a:rPr lang="de-CH"/>
-              <a:t>&lt;Fußzeile&gt;</a:t>
-            </a:r>
-            <a:endParaRPr/>
-          </a:p>
-        </p:txBody>
-      </p:sp>
-      <p:sp>
-        <p:nvSpPr>
-          <p:cNvPr id="4" name="PlaceHolder 5"/>
-          <p:cNvSpPr>
-            <a:spLocks noGrp="1"/>
-          </p:cNvSpPr>
-          <p:nvPr>
-            <p:ph type="sldNum"/>
-          </p:nvPr>
-        </p:nvSpPr>
-        <p:spPr>
-          <a:xfrm>
-            <a:off x="7227360" y="6887160"/>
-            <a:ext cx="2348280" cy="521280"/>
-          </a:xfrm>
-          <a:prstGeom prst="rect">
-            <a:avLst/>
-          </a:prstGeom>
-        </p:spPr>
-        <p:txBody>
-          <a:bodyPr bIns="0" lIns="0" rIns="0" tIns="0" wrap="none"/>
-          <a:p>
-            <a:pPr algn="r"/>
-            <a:fld id="{819171E1-B1F1-4181-B1B1-21E1F1E1B1D1}" type="slidenum">
-              <a:rPr lang="de-CH"/>
-              <a:t>&lt;Nummer&gt;</a:t>
-            </a:fld>
             <a:endParaRPr/>
           </a:p>
         </p:txBody>
@@ -1411,6 +2428,200 @@
     <p:sldLayoutId id="2147483658" r:id="rId11"/>
     <p:sldLayoutId id="2147483659" r:id="rId12"/>
     <p:sldLayoutId id="2147483660" r:id="rId13"/>
+  </p:sldLayoutIdLst>
+</p:sldMaster>
+</file>
+
+<file path=ppt/slideMasters/slideMaster2.xml><?xml version="1.0" encoding="utf-8"?>
+<p:sldMaster xmlns:a="http://schemas.openxmlformats.org/drawingml/2006/main" xmlns:p="http://schemas.openxmlformats.org/presentationml/2006/main" xmlns:r="http://schemas.openxmlformats.org/officeDocument/2006/relationships">
+  <p:cSld>
+    <p:spTree>
+      <p:nvGrpSpPr>
+        <p:cNvPr id="1" name=""/>
+        <p:cNvGrpSpPr/>
+        <p:nvPr/>
+      </p:nvGrpSpPr>
+      <p:grpSpPr>
+        <a:xfrm>
+          <a:off x="0" y="0"/>
+          <a:ext cx="0" cy="0"/>
+          <a:chOff x="0" y="0"/>
+          <a:chExt cx="0" cy="0"/>
+        </a:xfrm>
+      </p:grpSpPr>
+      <p:sp>
+        <p:nvSpPr>
+          <p:cNvPr id="34" name="PlaceHolder 1"/>
+          <p:cNvSpPr>
+            <a:spLocks noGrp="1"/>
+          </p:cNvSpPr>
+          <p:nvPr>
+            <p:ph type="title"/>
+          </p:nvPr>
+        </p:nvSpPr>
+        <p:spPr>
+          <a:xfrm>
+            <a:off x="504000" y="301320"/>
+            <a:ext cx="9071280" cy="1262160"/>
+          </a:xfrm>
+          <a:prstGeom prst="rect">
+            <a:avLst/>
+          </a:prstGeom>
+        </p:spPr>
+        <p:txBody>
+          <a:bodyPr anchor="ctr" bIns="0" lIns="0" rIns="0" tIns="0" wrap="none"/>
+          <a:p>
+            <a:pPr algn="ctr"/>
+            <a:r>
+              <a:rPr lang="de-CH"/>
+              <a:t>Klicken Sie, um das Format des Titeltextes zu bearbeiten</a:t>
+            </a:r>
+            <a:endParaRPr/>
+          </a:p>
+        </p:txBody>
+      </p:sp>
+      <p:sp>
+        <p:nvSpPr>
+          <p:cNvPr id="35" name="PlaceHolder 2"/>
+          <p:cNvSpPr>
+            <a:spLocks noGrp="1"/>
+          </p:cNvSpPr>
+          <p:nvPr>
+            <p:ph type="body"/>
+          </p:nvPr>
+        </p:nvSpPr>
+        <p:spPr>
+          <a:xfrm>
+            <a:off x="504000" y="1769040"/>
+            <a:ext cx="9071280" cy="4988880"/>
+          </a:xfrm>
+          <a:prstGeom prst="rect">
+            <a:avLst/>
+          </a:prstGeom>
+        </p:spPr>
+        <p:txBody>
+          <a:bodyPr bIns="0" lIns="0" rIns="0" tIns="0" wrap="none"/>
+          <a:p>
+            <a:r>
+              <a:rPr lang="de-CH"/>
+              <a:t>Klicken Sie, um die Formate des Gliederungstextes zu bearbeiten</a:t>
+            </a:r>
+            <a:endParaRPr/>
+          </a:p>
+          <a:p>
+            <a:pPr lvl="1">
+              <a:buSzPct val="45000"/>
+              <a:buFont typeface="StarSymbol"/>
+              <a:buChar char=""/>
+            </a:pPr>
+            <a:r>
+              <a:rPr lang="de-CH"/>
+              <a:t>Zweite Gliederungsebene</a:t>
+            </a:r>
+            <a:endParaRPr/>
+          </a:p>
+          <a:p>
+            <a:pPr lvl="2">
+              <a:buSzPct val="75000"/>
+              <a:buFont typeface="StarSymbol"/>
+              <a:buChar char=""/>
+            </a:pPr>
+            <a:r>
+              <a:rPr lang="de-CH"/>
+              <a:t>Dritte Gliederungsebene</a:t>
+            </a:r>
+            <a:endParaRPr/>
+          </a:p>
+          <a:p>
+            <a:pPr lvl="3">
+              <a:buSzPct val="45000"/>
+              <a:buFont typeface="StarSymbol"/>
+              <a:buChar char=""/>
+            </a:pPr>
+            <a:r>
+              <a:rPr lang="de-CH"/>
+              <a:t>Vierte Gliederungsebene</a:t>
+            </a:r>
+            <a:endParaRPr/>
+          </a:p>
+          <a:p>
+            <a:pPr lvl="4">
+              <a:buSzPct val="75000"/>
+              <a:buFont typeface="StarSymbol"/>
+              <a:buChar char=""/>
+            </a:pPr>
+            <a:r>
+              <a:rPr lang="de-CH"/>
+              <a:t>Fünfte Gliederungsebene</a:t>
+            </a:r>
+            <a:endParaRPr/>
+          </a:p>
+          <a:p>
+            <a:pPr lvl="5">
+              <a:buSzPct val="45000"/>
+              <a:buFont typeface="StarSymbol"/>
+              <a:buChar char=""/>
+            </a:pPr>
+            <a:r>
+              <a:rPr lang="de-CH"/>
+              <a:t>Sechste Gliederungsebene</a:t>
+            </a:r>
+            <a:endParaRPr/>
+          </a:p>
+          <a:p>
+            <a:pPr lvl="6">
+              <a:buSzPct val="45000"/>
+              <a:buFont typeface="StarSymbol"/>
+              <a:buChar char=""/>
+            </a:pPr>
+            <a:r>
+              <a:rPr lang="de-CH"/>
+              <a:t>Siebente Gliederungsebene</a:t>
+            </a:r>
+            <a:endParaRPr/>
+          </a:p>
+          <a:p>
+            <a:pPr lvl="7">
+              <a:buSzPct val="45000"/>
+              <a:buFont typeface="StarSymbol"/>
+              <a:buChar char=""/>
+            </a:pPr>
+            <a:r>
+              <a:rPr lang="de-CH"/>
+              <a:t>Achte Gliederungsebene</a:t>
+            </a:r>
+            <a:endParaRPr/>
+          </a:p>
+          <a:p>
+            <a:pPr lvl="8">
+              <a:buSzPct val="45000"/>
+              <a:buFont typeface="StarSymbol"/>
+              <a:buChar char=""/>
+            </a:pPr>
+            <a:r>
+              <a:rPr lang="de-CH"/>
+              <a:t>Neunte Gliederungsebene</a:t>
+            </a:r>
+            <a:endParaRPr/>
+          </a:p>
+        </p:txBody>
+      </p:sp>
+    </p:spTree>
+  </p:cSld>
+  <p:clrMap accent1="accent1" accent2="accent2" accent3="accent3" accent4="accent4" accent5="accent5" accent6="accent6" bg1="lt1" bg2="lt2" folHlink="folHlink" hlink="hlink" tx1="dk1" tx2="dk2"/>
+  <p:sldLayoutIdLst>
+    <p:sldLayoutId id="2147483662" r:id="rId2"/>
+    <p:sldLayoutId id="2147483663" r:id="rId3"/>
+    <p:sldLayoutId id="2147483664" r:id="rId4"/>
+    <p:sldLayoutId id="2147483665" r:id="rId5"/>
+    <p:sldLayoutId id="2147483666" r:id="rId6"/>
+    <p:sldLayoutId id="2147483667" r:id="rId7"/>
+    <p:sldLayoutId id="2147483668" r:id="rId8"/>
+    <p:sldLayoutId id="2147483669" r:id="rId9"/>
+    <p:sldLayoutId id="2147483670" r:id="rId10"/>
+    <p:sldLayoutId id="2147483671" r:id="rId11"/>
+    <p:sldLayoutId id="2147483672" r:id="rId12"/>
+    <p:sldLayoutId id="2147483673" r:id="rId13"/>
   </p:sldLayoutIdLst>
 </p:sldMaster>
 </file>
@@ -1434,37 +2645,30 @@
       </p:grpSpPr>
       <p:sp>
         <p:nvSpPr>
-          <p:cNvPr id="37" name="TextShape 1"/>
-          <p:cNvSpPr txBox="1"/>
+          <p:cNvPr id="68" name="CustomShape 1"/>
+          <p:cNvSpPr/>
           <p:nvPr/>
         </p:nvSpPr>
         <p:spPr>
           <a:xfrm>
             <a:off x="504000" y="301320"/>
-            <a:ext cx="9071640" cy="6456600"/>
-          </a:xfrm>
-          <a:prstGeom prst="rect">
-            <a:avLst/>
-          </a:prstGeom>
-        </p:spPr>
-        <p:txBody>
-          <a:bodyPr anchor="ctr" bIns="0" lIns="0" rIns="0" tIns="0" wrap="none"/>
-          <a:p>
-            <a:pPr algn="ctr"/>
-            <a:endParaRPr/>
-          </a:p>
-        </p:txBody>
-      </p:sp>
-      <p:sp>
-        <p:nvSpPr>
-          <p:cNvPr id="38" name="TextShape 2"/>
-          <p:cNvSpPr txBox="1"/>
+            <a:ext cx="9071280" cy="6456240"/>
+          </a:xfrm>
+          <a:prstGeom prst="rect">
+            <a:avLst/>
+          </a:prstGeom>
+        </p:spPr>
+      </p:sp>
+      <p:sp>
+        <p:nvSpPr>
+          <p:cNvPr id="69" name="CustomShape 2"/>
+          <p:cNvSpPr/>
           <p:nvPr/>
         </p:nvSpPr>
         <p:spPr>
           <a:xfrm>
             <a:off x="504000" y="301320"/>
-            <a:ext cx="9071640" cy="1262160"/>
+            <a:ext cx="9071280" cy="1261800"/>
           </a:xfrm>
           <a:prstGeom prst="rect">
             <a:avLst/>
@@ -1488,7 +2692,7 @@
 </file>
 
 <file path=ppt/slides/slide2.xml><?xml version="1.0" encoding="utf-8"?>
-<p:sld xmlns:a="http://schemas.openxmlformats.org/drawingml/2006/main" xmlns:p="http://schemas.openxmlformats.org/presentationml/2006/main" xmlns:r="http://schemas.openxmlformats.org/officeDocument/2006/relationships">
+<p:sld xmlns:a="http://schemas.openxmlformats.org/drawingml/2006/main" xmlns:p="http://schemas.openxmlformats.org/presentationml/2006/main" xmlns:r="http://schemas.openxmlformats.org/officeDocument/2006/relationships" show="0">
   <p:cSld>
     <p:spTree>
       <p:nvGrpSpPr>
@@ -1506,14 +2710,14 @@
       </p:grpSpPr>
       <p:sp>
         <p:nvSpPr>
-          <p:cNvPr id="39" name="TextShape 1"/>
+          <p:cNvPr id="70" name="TextShape 1"/>
           <p:cNvSpPr txBox="1"/>
           <p:nvPr/>
         </p:nvSpPr>
         <p:spPr>
           <a:xfrm>
             <a:off x="504000" y="301320"/>
-            <a:ext cx="9071640" cy="1262160"/>
+            <a:ext cx="9071280" cy="1262160"/>
           </a:xfrm>
           <a:prstGeom prst="rect">
             <a:avLst/>
@@ -1525,22 +2729,22 @@
             <a:pPr algn="ctr"/>
             <a:r>
               <a:rPr lang="de-CH"/>
-              <a:t>Target users</a:t>
-            </a:r>
-            <a:endParaRPr/>
-          </a:p>
-        </p:txBody>
-      </p:sp>
-      <p:sp>
-        <p:nvSpPr>
-          <p:cNvPr id="40" name="TextShape 2"/>
+              <a:t>Zielbenutzer</a:t>
+            </a:r>
+            <a:endParaRPr/>
+          </a:p>
+        </p:txBody>
+      </p:sp>
+      <p:sp>
+        <p:nvSpPr>
+          <p:cNvPr id="71" name="TextShape 2"/>
           <p:cNvSpPr txBox="1"/>
           <p:nvPr/>
         </p:nvSpPr>
         <p:spPr>
           <a:xfrm>
-            <a:off x="504000" y="1769040"/>
-            <a:ext cx="9071640" cy="4989240"/>
+            <a:off x="504000" y="1768680"/>
+            <a:ext cx="9072000" cy="4988880"/>
           </a:xfrm>
           <a:prstGeom prst="rect">
             <a:avLst/>
@@ -1556,7 +2760,7 @@
             </a:pPr>
             <a:r>
               <a:rPr lang="de-CH"/>
-              <a:t>Nurses, doctors, health visitors</a:t>
+              <a:t>Krankenschwestern, Doktoren</a:t>
             </a:r>
             <a:endParaRPr/>
           </a:p>
@@ -1568,7 +2772,7 @@
             </a:pPr>
             <a:r>
               <a:rPr lang="de-CH"/>
-              <a:t>Read and update patient informations</a:t>
+              <a:t>Anschauen und updaten von Patienteninformationen</a:t>
             </a:r>
             <a:endParaRPr/>
           </a:p>
@@ -1580,7 +2784,7 @@
             </a:pPr>
             <a:r>
               <a:rPr lang="de-CH"/>
-              <a:t>Receptionists</a:t>
+              <a:t>RezeptionistIn</a:t>
             </a:r>
             <a:endParaRPr/>
           </a:p>
@@ -1592,7 +2796,7 @@
             </a:pPr>
             <a:r>
               <a:rPr lang="de-CH"/>
-              <a:t>Arrange appointments</a:t>
+              <a:t>Termin vereinbaren</a:t>
             </a:r>
             <a:endParaRPr/>
           </a:p>
@@ -1616,7 +2820,7 @@
             </a:pPr>
             <a:r>
               <a:rPr lang="de-CH"/>
-              <a:t>Reports for managment, no direct access to the application</a:t>
+              <a:t>Generieren von Reports für das Management</a:t>
             </a:r>
             <a:endParaRPr/>
           </a:p>
@@ -1675,14 +2879,30 @@
       </p:grpSpPr>
       <p:sp>
         <p:nvSpPr>
-          <p:cNvPr id="41" name="TextShape 1"/>
+          <p:cNvPr id="72" name="CustomShape 1"/>
+          <p:cNvSpPr/>
+          <p:nvPr/>
+        </p:nvSpPr>
+        <p:spPr>
+          <a:xfrm>
+            <a:off x="504000" y="301320"/>
+            <a:ext cx="9071280" cy="1261800"/>
+          </a:xfrm>
+          <a:prstGeom prst="rect">
+            <a:avLst/>
+          </a:prstGeom>
+        </p:spPr>
+      </p:sp>
+      <p:sp>
+        <p:nvSpPr>
+          <p:cNvPr id="73" name="TextShape 2"/>
           <p:cNvSpPr txBox="1"/>
           <p:nvPr/>
         </p:nvSpPr>
         <p:spPr>
           <a:xfrm>
-            <a:off x="504000" y="301320"/>
-            <a:ext cx="9071640" cy="1262160"/>
+            <a:off x="504000" y="283680"/>
+            <a:ext cx="9071280" cy="1262160"/>
           </a:xfrm>
           <a:prstGeom prst="rect">
             <a:avLst/>
@@ -1702,27 +2922,22 @@
       </p:sp>
       <p:sp>
         <p:nvSpPr>
-          <p:cNvPr id="42" name="TextShape 2"/>
+          <p:cNvPr id="74" name="TextShape 3"/>
           <p:cNvSpPr txBox="1"/>
           <p:nvPr/>
         </p:nvSpPr>
         <p:spPr>
           <a:xfrm>
-            <a:off x="504000" y="1769040"/>
-            <a:ext cx="9071640" cy="4989240"/>
-          </a:xfrm>
-          <a:prstGeom prst="rect">
-            <a:avLst/>
-          </a:prstGeom>
-        </p:spPr>
-        <p:txBody>
-          <a:bodyPr bIns="0" lIns="0" rIns="0" tIns="0" wrap="none"/>
-          <a:p>
-            <a:pPr>
-              <a:buSzPct val="45000"/>
-              <a:buFont typeface="StarSymbol"/>
-              <a:buChar char=""/>
-            </a:pPr>
+            <a:off x="720000" y="1563120"/>
+            <a:ext cx="9072000" cy="4988880"/>
+          </a:xfrm>
+          <a:prstGeom prst="rect">
+            <a:avLst/>
+          </a:prstGeom>
+        </p:spPr>
+        <p:txBody>
+          <a:bodyPr bIns="0" lIns="0" rIns="0" tIns="0" wrap="none"/>
+          <a:p>
             <a:r>
               <a:rPr lang="de-CH"/>
               <a:t>Calendar for patients, doctors</a:t>
@@ -1730,11 +2945,6 @@
             <a:endParaRPr/>
           </a:p>
           <a:p>
-            <a:pPr>
-              <a:buSzPct val="45000"/>
-              <a:buFont typeface="StarSymbol"/>
-              <a:buChar char=""/>
-            </a:pPr>
             <a:r>
               <a:rPr lang="de-CH"/>
               <a:t>Patient informations</a:t>
@@ -1742,11 +2952,6 @@
             <a:endParaRPr/>
           </a:p>
           <a:p>
-            <a:pPr>
-              <a:buSzPct val="45000"/>
-              <a:buFont typeface="StarSymbol"/>
-              <a:buChar char=""/>
-            </a:pPr>
             <a:r>
               <a:rPr lang="de-CH"/>
               <a:t>Report generation</a:t>
@@ -1808,14 +3013,14 @@
       </p:grpSpPr>
       <p:sp>
         <p:nvSpPr>
-          <p:cNvPr id="43" name="TextShape 1"/>
-          <p:cNvSpPr txBox="1"/>
+          <p:cNvPr id="75" name="CustomShape 1"/>
+          <p:cNvSpPr/>
           <p:nvPr/>
         </p:nvSpPr>
         <p:spPr>
           <a:xfrm>
             <a:off x="504000" y="301320"/>
-            <a:ext cx="9071640" cy="1262160"/>
+            <a:ext cx="9071280" cy="1261800"/>
           </a:xfrm>
           <a:prstGeom prst="rect">
             <a:avLst/>
@@ -1835,14 +3040,14 @@
       </p:sp>
       <p:sp>
         <p:nvSpPr>
-          <p:cNvPr id="44" name="TextShape 2"/>
-          <p:cNvSpPr txBox="1"/>
+          <p:cNvPr id="76" name="CustomShape 2"/>
+          <p:cNvSpPr/>
           <p:nvPr/>
         </p:nvSpPr>
         <p:spPr>
           <a:xfrm>
             <a:off x="504000" y="1769040"/>
-            <a:ext cx="9071640" cy="4989240"/>
+            <a:ext cx="9071280" cy="4988880"/>
           </a:xfrm>
           <a:prstGeom prst="rect">
             <a:avLst/>
@@ -1854,7 +3059,7 @@
             <a:pPr>
               <a:buSzPct val="45000"/>
               <a:buFont typeface="StarSymbol"/>
-              <a:buChar char=""/>
+              <a:buChar char="l"/>
             </a:pPr>
             <a:r>
               <a:rPr lang="de-CH"/>
@@ -1866,7 +3071,7 @@
             <a:pPr>
               <a:buSzPct val="45000"/>
               <a:buFont typeface="StarSymbol"/>
-              <a:buChar char=""/>
+              <a:buChar char="l"/>
             </a:pPr>
             <a:r>
               <a:rPr lang="de-CH"/>
@@ -1878,7 +3083,7 @@
             <a:pPr>
               <a:buSzPct val="45000"/>
               <a:buFont typeface="StarSymbol"/>
-              <a:buChar char=""/>
+              <a:buChar char="l"/>
             </a:pPr>
             <a:r>
               <a:rPr lang="de-CH"/>
@@ -1890,7 +3095,7 @@
             <a:pPr>
               <a:buSzPct val="45000"/>
               <a:buFont typeface="StarSymbol"/>
-              <a:buChar char=""/>
+              <a:buChar char="l"/>
             </a:pPr>
             <a:r>
               <a:rPr lang="de-CH"/>
@@ -1899,11 +3104,6 @@
             <a:endParaRPr/>
           </a:p>
           <a:p>
-            <a:pPr>
-              <a:buSzPct val="45000"/>
-              <a:buFont typeface="StarSymbol"/>
-              <a:buChar char=""/>
-            </a:pPr>
             <a:endParaRPr/>
           </a:p>
         </p:txBody>
@@ -1961,14 +3161,14 @@
       </p:grpSpPr>
       <p:sp>
         <p:nvSpPr>
-          <p:cNvPr id="45" name="TextShape 1"/>
-          <p:cNvSpPr txBox="1"/>
+          <p:cNvPr id="77" name="CustomShape 1"/>
+          <p:cNvSpPr/>
           <p:nvPr/>
         </p:nvSpPr>
         <p:spPr>
           <a:xfrm>
             <a:off x="504000" y="301320"/>
-            <a:ext cx="9071640" cy="1262160"/>
+            <a:ext cx="9071280" cy="1261800"/>
           </a:xfrm>
           <a:prstGeom prst="rect">
             <a:avLst/>
@@ -1988,14 +3188,14 @@
       </p:sp>
       <p:sp>
         <p:nvSpPr>
-          <p:cNvPr id="46" name="TextShape 2"/>
-          <p:cNvSpPr txBox="1"/>
+          <p:cNvPr id="78" name="CustomShape 2"/>
+          <p:cNvSpPr/>
           <p:nvPr/>
         </p:nvSpPr>
         <p:spPr>
           <a:xfrm>
             <a:off x="504000" y="1769040"/>
-            <a:ext cx="9071640" cy="4989240"/>
+            <a:ext cx="9071280" cy="4988880"/>
           </a:xfrm>
           <a:prstGeom prst="rect">
             <a:avLst/>
@@ -2007,7 +3207,7 @@
             <a:pPr>
               <a:buSzPct val="45000"/>
               <a:buFont typeface="StarSymbol"/>
-              <a:buChar char=""/>
+              <a:buChar char="l"/>
             </a:pPr>
             <a:r>
               <a:rPr lang="de-CH"/>
@@ -2019,7 +3219,7 @@
             <a:pPr>
               <a:buSzPct val="45000"/>
               <a:buFont typeface="StarSymbol"/>
-              <a:buChar char=""/>
+              <a:buChar char="l"/>
             </a:pPr>
             <a:r>
               <a:rPr lang="de-CH"/>
@@ -2031,7 +3231,7 @@
             <a:pPr>
               <a:buSzPct val="45000"/>
               <a:buFont typeface="StarSymbol"/>
-              <a:buChar char=""/>
+              <a:buChar char="l"/>
             </a:pPr>
             <a:r>
               <a:rPr lang="de-CH"/>
@@ -2296,4 +3496,227 @@
     </a:fmtScheme>
   </a:themeElements>
 </a:theme>
+</file>
+
+<file path=ppt/theme/theme2.xml><?xml version="1.0" encoding="utf-8"?>
+<a:theme xmlns:a="http://schemas.openxmlformats.org/drawingml/2006/main" name="Office Theme">
+  <a:themeElements>
+    <a:clrScheme name="Office">
+      <a:dk1>
+        <a:sysClr val="windowText" lastClr="000000"/>
+      </a:dk1>
+      <a:lt1>
+        <a:sysClr val="window" lastClr="FFFFFF"/>
+      </a:lt1>
+      <a:dk2>
+        <a:srgbClr val="1F497D"/>
+      </a:dk2>
+      <a:lt2>
+        <a:srgbClr val="EEECE1"/>
+      </a:lt2>
+      <a:accent1>
+        <a:srgbClr val="4F81BD"/>
+      </a:accent1>
+      <a:accent2>
+        <a:srgbClr val="C0504D"/>
+      </a:accent2>
+      <a:accent3>
+        <a:srgbClr val="9BBB59"/>
+      </a:accent3>
+      <a:accent4>
+        <a:srgbClr val="8064A2"/>
+      </a:accent4>
+      <a:accent5>
+        <a:srgbClr val="4BACC6"/>
+      </a:accent5>
+      <a:accent6>
+        <a:srgbClr val="F79646"/>
+      </a:accent6>
+      <a:hlink>
+        <a:srgbClr val="0000FF"/>
+      </a:hlink>
+      <a:folHlink>
+        <a:srgbClr val="800080"/>
+      </a:folHlink>
+    </a:clrScheme>
+    <a:fontScheme name="Office">
+      <a:majorFont>
+        <a:latin typeface="Arial"/>
+        <a:ea typeface="DejaVu Sans"/>
+        <a:cs typeface="DejaVu Sans"/>
+      </a:majorFont>
+      <a:minorFont>
+        <a:latin typeface="Arial"/>
+        <a:ea typeface="DejaVu Sans"/>
+        <a:cs typeface="DejaVu Sans"/>
+      </a:minorFont>
+    </a:fontScheme>
+    <a:fmtScheme name="Office">
+      <a:fillStyleLst>
+        <a:solidFill>
+          <a:schemeClr val="phClr"/>
+        </a:solidFill>
+        <a:gradFill rotWithShape="1">
+          <a:gsLst>
+            <a:gs pos="0">
+              <a:schemeClr val="phClr">
+                <a:tint val="50000"/>
+                <a:satMod val="300000"/>
+              </a:schemeClr>
+            </a:gs>
+            <a:gs pos="35000">
+              <a:schemeClr val="phClr">
+                <a:tint val="37000"/>
+                <a:satMod val="300000"/>
+              </a:schemeClr>
+            </a:gs>
+            <a:gs pos="100000">
+              <a:schemeClr val="phClr">
+                <a:tint val="15000"/>
+                <a:satMod val="350000"/>
+              </a:schemeClr>
+            </a:gs>
+          </a:gsLst>
+          <a:lin ang="16200000" scaled="1"/>
+        </a:gradFill>
+        <a:gradFill rotWithShape="1">
+          <a:gsLst>
+            <a:gs pos="0">
+              <a:schemeClr val="phClr">
+                <a:shade val="51000"/>
+                <a:satMod val="130000"/>
+              </a:schemeClr>
+            </a:gs>
+            <a:gs pos="80000">
+              <a:schemeClr val="phClr">
+                <a:shade val="93000"/>
+                <a:satMod val="130000"/>
+              </a:schemeClr>
+            </a:gs>
+            <a:gs pos="100000">
+              <a:schemeClr val="phClr">
+                <a:shade val="94000"/>
+                <a:satMod val="135000"/>
+              </a:schemeClr>
+            </a:gs>
+          </a:gsLst>
+          <a:lin ang="16200000" scaled="0"/>
+        </a:gradFill>
+      </a:fillStyleLst>
+      <a:lnStyleLst>
+        <a:ln w="9525" cap="flat" cmpd="sng" algn="ctr">
+          <a:solidFill>
+            <a:schemeClr val="phClr">
+              <a:shade val="95000"/>
+              <a:satMod val="105000"/>
+            </a:schemeClr>
+          </a:solidFill>
+          <a:prstDash val="solid"/>
+        </a:ln>
+        <a:ln w="25400" cap="flat" cmpd="sng" algn="ctr">
+          <a:solidFill>
+            <a:schemeClr val="phClr"/>
+          </a:solidFill>
+          <a:prstDash val="solid"/>
+        </a:ln>
+        <a:ln w="38100" cap="flat" cmpd="sng" algn="ctr">
+          <a:solidFill>
+            <a:schemeClr val="phClr"/>
+          </a:solidFill>
+          <a:prstDash val="solid"/>
+        </a:ln>
+      </a:lnStyleLst>
+      <a:effectStyleLst>
+        <a:effectStyle>
+          <a:effectLst>
+            <a:outerShdw blurRad="40000" dist="20000" dir="5400000" rotWithShape="0">
+              <a:srgbClr val="000000">
+                <a:alpha val="38000"/>
+              </a:srgbClr>
+            </a:outerShdw>
+          </a:effectLst>
+        </a:effectStyle>
+        <a:effectStyle>
+          <a:effectLst>
+            <a:outerShdw blurRad="40000" dist="23000" dir="5400000" rotWithShape="0">
+              <a:srgbClr val="000000">
+                <a:alpha val="35000"/>
+              </a:srgbClr>
+            </a:outerShdw>
+          </a:effectLst>
+        </a:effectStyle>
+        <a:effectStyle>
+          <a:effectLst>
+            <a:outerShdw blurRad="40000" dist="23000" dir="5400000" rotWithShape="0">
+              <a:srgbClr val="000000">
+                <a:alpha val="35000"/>
+              </a:srgbClr>
+            </a:outerShdw>
+          </a:effectLst>
+          <a:scene3d>
+            <a:camera prst="orthographicFront">
+              <a:rot lat="0" lon="0" rev="0"/>
+            </a:camera>
+            <a:lightRig rig="threePt" dir="t">
+              <a:rot lat="0" lon="0" rev="1200000"/>
+            </a:lightRig>
+          </a:scene3d>
+          <a:sp3d>
+            <a:bevelT w="63500" h="25400"/>
+          </a:sp3d>
+        </a:effectStyle>
+      </a:effectStyleLst>
+      <a:bgFillStyleLst>
+        <a:solidFill>
+          <a:schemeClr val="phClr"/>
+        </a:solidFill>
+        <a:gradFill rotWithShape="1">
+          <a:gsLst>
+            <a:gs pos="0">
+              <a:schemeClr val="phClr">
+                <a:tint val="40000"/>
+                <a:satMod val="350000"/>
+              </a:schemeClr>
+            </a:gs>
+            <a:gs pos="40000">
+              <a:schemeClr val="phClr">
+                <a:tint val="45000"/>
+                <a:shade val="99000"/>
+                <a:satMod val="350000"/>
+              </a:schemeClr>
+            </a:gs>
+            <a:gs pos="100000">
+              <a:schemeClr val="phClr">
+                <a:shade val="20000"/>
+                <a:satMod val="255000"/>
+              </a:schemeClr>
+            </a:gs>
+          </a:gsLst>
+          <a:path path="circle">
+            <a:fillToRect l="50000" t="-80000" r="50000" b="180000"/>
+          </a:path>
+        </a:gradFill>
+        <a:gradFill rotWithShape="1">
+          <a:gsLst>
+            <a:gs pos="0">
+              <a:schemeClr val="phClr">
+                <a:tint val="80000"/>
+                <a:satMod val="300000"/>
+              </a:schemeClr>
+            </a:gs>
+            <a:gs pos="100000">
+              <a:schemeClr val="phClr">
+                <a:shade val="30000"/>
+                <a:satMod val="200000"/>
+              </a:schemeClr>
+            </a:gs>
+          </a:gsLst>
+          <a:path path="circle">
+            <a:fillToRect l="50000" t="50000" r="50000" b="50000"/>
+          </a:path>
+        </a:gradFill>
+      </a:bgFillStyleLst>
+    </a:fmtScheme>
+  </a:themeElements>
+</a:theme>
 </file>